--- a/HealthCare_Powerpoint-1.pptx
+++ b/HealthCare_Powerpoint-1.pptx
@@ -8,20 +8,17 @@
     <p:sldId id="256" r:id="rId2"/>
     <p:sldId id="257" r:id="rId3"/>
     <p:sldId id="269" r:id="rId4"/>
-    <p:sldId id="268" r:id="rId5"/>
-    <p:sldId id="270" r:id="rId6"/>
-    <p:sldId id="258" r:id="rId7"/>
-    <p:sldId id="267" r:id="rId8"/>
-    <p:sldId id="271" r:id="rId9"/>
-    <p:sldId id="260" r:id="rId10"/>
-    <p:sldId id="259" r:id="rId11"/>
-    <p:sldId id="261" r:id="rId12"/>
-    <p:sldId id="262" r:id="rId13"/>
-    <p:sldId id="263" r:id="rId14"/>
-    <p:sldId id="264" r:id="rId15"/>
-    <p:sldId id="272" r:id="rId16"/>
-    <p:sldId id="265" r:id="rId17"/>
-    <p:sldId id="266" r:id="rId18"/>
+    <p:sldId id="258" r:id="rId5"/>
+    <p:sldId id="267" r:id="rId6"/>
+    <p:sldId id="260" r:id="rId7"/>
+    <p:sldId id="259" r:id="rId8"/>
+    <p:sldId id="272" r:id="rId9"/>
+    <p:sldId id="273" r:id="rId10"/>
+    <p:sldId id="261" r:id="rId11"/>
+    <p:sldId id="263" r:id="rId12"/>
+    <p:sldId id="264" r:id="rId13"/>
+    <p:sldId id="265" r:id="rId14"/>
+    <p:sldId id="266" r:id="rId15"/>
   </p:sldIdLst>
   <p:sldSz cx="12192000" cy="6858000"/>
   <p:notesSz cx="6858000" cy="9144000"/>
@@ -543,7 +540,7 @@
           <a:p>
             <a:fld id="{83284890-85D2-4D7B-8EF5-15A9C1DB8F42}" type="datetimeFigureOut">
               <a:rPr lang="en-US" dirty="0"/>
-              <a:t>6/10/2025</a:t>
+              <a:t>6/13/2025</a:t>
             </a:fld>
             <a:endParaRPr lang="en-US" dirty="0"/>
           </a:p>
@@ -718,7 +715,7 @@
           <a:p>
             <a:fld id="{87157CC2-0FC8-4686-B024-99790E0F5162}" type="datetimeFigureOut">
               <a:rPr lang="en-US" dirty="0"/>
-              <a:t>6/10/2025</a:t>
+              <a:t>6/13/2025</a:t>
             </a:fld>
             <a:endParaRPr lang="en-US" dirty="0"/>
           </a:p>
@@ -893,7 +890,7 @@
           <a:p>
             <a:fld id="{F6764DA5-CD3D-4590-A511-FCD3BC7A793E}" type="datetimeFigureOut">
               <a:rPr lang="en-US" dirty="0"/>
-              <a:t>6/10/2025</a:t>
+              <a:t>6/13/2025</a:t>
             </a:fld>
             <a:endParaRPr lang="en-US" dirty="0"/>
           </a:p>
@@ -1058,7 +1055,7 @@
           <a:p>
             <a:fld id="{82F5661D-6934-4B32-B92C-470368BF1EC6}" type="datetimeFigureOut">
               <a:rPr lang="en-US" dirty="0"/>
-              <a:t>6/10/2025</a:t>
+              <a:t>6/13/2025</a:t>
             </a:fld>
             <a:endParaRPr lang="en-US" dirty="0"/>
           </a:p>
@@ -1366,7 +1363,7 @@
           <a:p>
             <a:fld id="{C6F822A4-8DA6-4447-9B1F-C5DB58435268}" type="datetimeFigureOut">
               <a:rPr lang="en-US" dirty="0"/>
-              <a:t>6/10/2025</a:t>
+              <a:t>6/13/2025</a:t>
             </a:fld>
             <a:endParaRPr lang="en-US" dirty="0"/>
           </a:p>
@@ -1748,7 +1745,7 @@
           <a:p>
             <a:fld id="{E548D31E-DCDA-41A7-9C67-C4B11B94D21D}" type="datetimeFigureOut">
               <a:rPr lang="en-US" dirty="0"/>
-              <a:t>6/10/2025</a:t>
+              <a:t>6/13/2025</a:t>
             </a:fld>
             <a:endParaRPr lang="en-US" dirty="0"/>
           </a:p>
@@ -2177,7 +2174,7 @@
           <a:p>
             <a:fld id="{9B3762C0-B258-48F1-ADE6-176B4174CCDD}" type="datetimeFigureOut">
               <a:rPr lang="en-US" dirty="0"/>
-              <a:t>6/10/2025</a:t>
+              <a:t>6/13/2025</a:t>
             </a:fld>
             <a:endParaRPr lang="en-US" dirty="0"/>
           </a:p>
@@ -2290,7 +2287,7 @@
           <a:p>
             <a:fld id="{677919A6-33EB-49BD-A62F-1FA56B9F9712}" type="datetimeFigureOut">
               <a:rPr lang="en-US" dirty="0"/>
-              <a:t>6/10/2025</a:t>
+              <a:t>6/13/2025</a:t>
             </a:fld>
             <a:endParaRPr lang="en-US" dirty="0"/>
           </a:p>
@@ -2380,7 +2377,7 @@
           <a:p>
             <a:fld id="{CA4E7D1B-D673-4CF6-8672-009D42ABD2A0}" type="datetimeFigureOut">
               <a:rPr lang="en-US" dirty="0"/>
-              <a:t>6/10/2025</a:t>
+              <a:t>6/13/2025</a:t>
             </a:fld>
             <a:endParaRPr lang="en-US" dirty="0"/>
           </a:p>
@@ -2725,7 +2722,7 @@
           <a:p>
             <a:fld id="{DA16AA21-1863-4931-97CB-99D0A168701B}" type="datetimeFigureOut">
               <a:rPr lang="en-US" dirty="0"/>
-              <a:t>6/10/2025</a:t>
+              <a:t>6/13/2025</a:t>
             </a:fld>
             <a:endParaRPr lang="en-US" dirty="0"/>
           </a:p>
@@ -3145,7 +3142,7 @@
           <a:p>
             <a:fld id="{3772C379-9A7C-4C87-A116-CBE9F58B04C5}" type="datetimeFigureOut">
               <a:rPr lang="en-US" dirty="0"/>
-              <a:t>6/10/2025</a:t>
+              <a:t>6/13/2025</a:t>
             </a:fld>
             <a:endParaRPr lang="en-US" dirty="0"/>
           </a:p>
@@ -3421,7 +3418,7 @@
           <a:p>
             <a:fld id="{8664C608-40B1-4030-A28D-5B74BC98ADCE}" type="datetimeFigureOut">
               <a:rPr lang="en-US" dirty="0"/>
-              <a:t>6/10/2025</a:t>
+              <a:t>6/13/2025</a:t>
             </a:fld>
             <a:endParaRPr lang="en-US" dirty="0"/>
           </a:p>
@@ -3999,7 +3996,7 @@
           <p:cNvPr id="2" name="Title 1">
             <a:extLst>
               <a:ext uri="{FF2B5EF4-FFF2-40B4-BE49-F238E27FC236}">
-                <a16:creationId xmlns:a16="http://schemas.microsoft.com/office/drawing/2014/main" id="{970B1B7F-0A0D-3770-FC23-30F1AB706451}"/>
+                <a16:creationId xmlns:a16="http://schemas.microsoft.com/office/drawing/2014/main" xmlns="" id="{970B1B7F-0A0D-3770-FC23-30F1AB706451}"/>
               </a:ext>
             </a:extLst>
           </p:cNvPr>
@@ -4032,7 +4029,7 @@
           <p:cNvPr id="3" name="Subtitle 2">
             <a:extLst>
               <a:ext uri="{FF2B5EF4-FFF2-40B4-BE49-F238E27FC236}">
-                <a16:creationId xmlns:a16="http://schemas.microsoft.com/office/drawing/2014/main" id="{58A89C41-6DA4-9CEE-9CB3-2EFF8DA4A1B5}"/>
+                <a16:creationId xmlns:a16="http://schemas.microsoft.com/office/drawing/2014/main" xmlns="" id="{58A89C41-6DA4-9CEE-9CB3-2EFF8DA4A1B5}"/>
               </a:ext>
             </a:extLst>
           </p:cNvPr>
@@ -4063,7 +4060,7 @@
           <p:cNvPr id="5" name="TextBox 4">
             <a:extLst>
               <a:ext uri="{FF2B5EF4-FFF2-40B4-BE49-F238E27FC236}">
-                <a16:creationId xmlns:a16="http://schemas.microsoft.com/office/drawing/2014/main" id="{B1238B1D-431C-1581-B9BC-21994B205B61}"/>
+                <a16:creationId xmlns:a16="http://schemas.microsoft.com/office/drawing/2014/main" xmlns="" id="{B1238B1D-431C-1581-B9BC-21994B205B61}"/>
               </a:ext>
             </a:extLst>
           </p:cNvPr>
@@ -4128,7 +4125,7 @@
           <p:cNvPr id="2" name="Title 1">
             <a:extLst>
               <a:ext uri="{FF2B5EF4-FFF2-40B4-BE49-F238E27FC236}">
-                <a16:creationId xmlns:a16="http://schemas.microsoft.com/office/drawing/2014/main" id="{FB03A1EA-D2F7-4145-9E16-7830F0F70950}"/>
+                <a16:creationId xmlns:a16="http://schemas.microsoft.com/office/drawing/2014/main" xmlns="" id="{FF686BB9-82F9-4F20-20E3-54AFB221518E}"/>
               </a:ext>
             </a:extLst>
           </p:cNvPr>
@@ -4141,8 +4138,8 @@
         </p:nvSpPr>
         <p:spPr>
           <a:xfrm>
-            <a:off x="822960" y="265176"/>
-            <a:ext cx="10058400" cy="868680"/>
+            <a:off x="1063752" y="207541"/>
+            <a:ext cx="10058400" cy="1011659"/>
           </a:xfrm>
         </p:spPr>
         <p:txBody>
@@ -4151,44 +4148,143 @@
           <a:p>
             <a:r>
               <a:rPr lang="en-US" dirty="0"/>
-              <a:t>Features correlation</a:t>
-            </a:r>
-          </a:p>
-        </p:txBody>
-      </p:sp>
-      <p:pic>
-        <p:nvPicPr>
-          <p:cNvPr id="5" name="Content Placeholder 4">
+              <a:t>FEATUREs </a:t>
+            </a:r>
+            <a:r>
+              <a:rPr lang="en-US" dirty="0" smtClean="0"/>
+              <a:t>SELECTION &amp; Model BUILDING</a:t>
+            </a:r>
+            <a:endParaRPr lang="en-US" dirty="0"/>
+          </a:p>
+        </p:txBody>
+      </p:sp>
+      <p:sp>
+        <p:nvSpPr>
+          <p:cNvPr id="3" name="Content Placeholder 2">
             <a:extLst>
               <a:ext uri="{FF2B5EF4-FFF2-40B4-BE49-F238E27FC236}">
-                <a16:creationId xmlns:a16="http://schemas.microsoft.com/office/drawing/2014/main" id="{B49746CC-92C1-2E27-E682-900C7657E6D0}"/>
+                <a16:creationId xmlns:a16="http://schemas.microsoft.com/office/drawing/2014/main" xmlns="" id="{A498A1F1-E5D1-8BAA-70F2-8B0E4E72F234}"/>
               </a:ext>
             </a:extLst>
           </p:cNvPr>
-          <p:cNvPicPr>
-            <a:picLocks noGrp="1" noChangeAspect="1"/>
-          </p:cNvPicPr>
+          <p:cNvSpPr>
+            <a:spLocks noGrp="1"/>
+          </p:cNvSpPr>
           <p:nvPr>
             <p:ph idx="1"/>
           </p:nvPr>
-        </p:nvPicPr>
-        <p:blipFill>
-          <a:blip r:embed="rId2"/>
-          <a:stretch>
-            <a:fillRect/>
-          </a:stretch>
-        </p:blipFill>
+        </p:nvSpPr>
         <p:spPr>
           <a:xfrm>
-            <a:off x="0" y="1133856"/>
-            <a:ext cx="10643616" cy="5504688"/>
+            <a:off x="667373" y="1413164"/>
+            <a:ext cx="10851157" cy="5389418"/>
           </a:xfrm>
         </p:spPr>
-      </p:pic>
+        <p:txBody>
+          <a:bodyPr>
+            <a:normAutofit fontScale="85000" lnSpcReduction="20000"/>
+          </a:bodyPr>
+          <a:lstStyle/>
+          <a:p>
+            <a:pPr algn="just"/>
+            <a:r>
+              <a:rPr lang="en-US" sz="3400" dirty="0" smtClean="0"/>
+              <a:t>Recursive </a:t>
+            </a:r>
+            <a:r>
+              <a:rPr lang="en-US" sz="3400" dirty="0"/>
+              <a:t>Feature Elimination (RFE) was applied to rank and eliminate less important features. </a:t>
+            </a:r>
+            <a:endParaRPr lang="en-US" sz="3400" dirty="0" smtClean="0"/>
+          </a:p>
+          <a:p>
+            <a:pPr algn="just"/>
+            <a:r>
+              <a:rPr lang="en-US" sz="3400" dirty="0" smtClean="0"/>
+              <a:t>To </a:t>
+            </a:r>
+            <a:r>
+              <a:rPr lang="en-US" sz="3400" dirty="0"/>
+              <a:t>address multicollinearity, highly correlated features (BMI &amp; Skin Thickness, Pregnancies &amp; Age) were reduced by dropping one from each pair. </a:t>
+            </a:r>
+            <a:endParaRPr lang="en-US" sz="3400" dirty="0" smtClean="0"/>
+          </a:p>
+          <a:p>
+            <a:pPr algn="just"/>
+            <a:r>
+              <a:rPr lang="en-US" sz="3400" dirty="0" smtClean="0"/>
+              <a:t>The </a:t>
+            </a:r>
+            <a:r>
+              <a:rPr lang="en-US" sz="3400" dirty="0"/>
+              <a:t>top features selected by RFE were Pregnancies, Glucose, BMI, Diabetes Pedigree Function, and Low Insulin</a:t>
+            </a:r>
+            <a:r>
+              <a:rPr lang="en-US" sz="3400" dirty="0" smtClean="0"/>
+              <a:t>.</a:t>
+            </a:r>
+            <a:endParaRPr lang="en-US" sz="3400" dirty="0"/>
+          </a:p>
+          <a:p>
+            <a:pPr algn="just"/>
+            <a:endParaRPr lang="en-US" sz="3400" dirty="0" smtClean="0"/>
+          </a:p>
+          <a:p>
+            <a:pPr algn="just"/>
+            <a:r>
+              <a:rPr lang="en-US" sz="3400" dirty="0" smtClean="0"/>
+              <a:t>Data </a:t>
+            </a:r>
+            <a:r>
+              <a:rPr lang="en-US" sz="3400" dirty="0"/>
+              <a:t>was split into training and testing sets. </a:t>
+            </a:r>
+            <a:endParaRPr lang="en-US" sz="3400" dirty="0" smtClean="0"/>
+          </a:p>
+          <a:p>
+            <a:pPr algn="just"/>
+            <a:r>
+              <a:rPr lang="en-US" sz="3400" dirty="0" smtClean="0"/>
+              <a:t>Multiple </a:t>
+            </a:r>
+            <a:r>
+              <a:rPr lang="en-US" sz="3400" dirty="0"/>
+              <a:t>classifiers (Logistic Regression, Random Forest, SVM) were trained, with Random Forest performing best at 78.99% accuracy. </a:t>
+            </a:r>
+            <a:endParaRPr lang="en-US" sz="3400" dirty="0" smtClean="0"/>
+          </a:p>
+          <a:p>
+            <a:pPr algn="just"/>
+            <a:r>
+              <a:rPr lang="en-US" sz="3400" dirty="0" smtClean="0"/>
+              <a:t>GridSearchCV </a:t>
+            </a:r>
+            <a:r>
+              <a:rPr lang="en-US" sz="3400" dirty="0"/>
+              <a:t>was used for </a:t>
+            </a:r>
+            <a:r>
+              <a:rPr lang="en-US" sz="3400" dirty="0" smtClean="0"/>
+              <a:t>hyper parameter </a:t>
+            </a:r>
+            <a:r>
+              <a:rPr lang="en-US" sz="3400" dirty="0"/>
+              <a:t>tuning to optimize the model</a:t>
+            </a:r>
+            <a:r>
+              <a:rPr lang="en-US" sz="2800" dirty="0"/>
+              <a:t>.</a:t>
+            </a:r>
+          </a:p>
+          <a:p>
+            <a:endParaRPr lang="en-US" sz="2800" dirty="0"/>
+          </a:p>
+        </p:txBody>
+      </p:sp>
     </p:spTree>
     <p:extLst>
       <p:ext uri="{BB962C8B-B14F-4D97-AF65-F5344CB8AC3E}">
-        <p14:creationId xmlns:p14="http://schemas.microsoft.com/office/powerpoint/2010/main" val="2337043490"/>
+        <p14:creationId xmlns:p14="http://schemas.microsoft.com/office/powerpoint/2010/main" val="3319788754"/>
       </p:ext>
     </p:extLst>
   </p:cSld>
@@ -4220,243 +4316,7 @@
           <p:cNvPr id="2" name="Title 1">
             <a:extLst>
               <a:ext uri="{FF2B5EF4-FFF2-40B4-BE49-F238E27FC236}">
-                <a16:creationId xmlns:a16="http://schemas.microsoft.com/office/drawing/2014/main" id="{FF686BB9-82F9-4F20-20E3-54AFB221518E}"/>
-              </a:ext>
-            </a:extLst>
-          </p:cNvPr>
-          <p:cNvSpPr>
-            <a:spLocks noGrp="1"/>
-          </p:cNvSpPr>
-          <p:nvPr>
-            <p:ph type="title"/>
-          </p:nvPr>
-        </p:nvSpPr>
-        <p:spPr/>
-        <p:txBody>
-          <a:bodyPr/>
-          <a:lstStyle/>
-          <a:p>
-            <a:r>
-              <a:rPr lang="en-US" dirty="0"/>
-              <a:t>FEATUREs SELECTION</a:t>
-            </a:r>
-          </a:p>
-        </p:txBody>
-      </p:sp>
-      <p:sp>
-        <p:nvSpPr>
-          <p:cNvPr id="3" name="Content Placeholder 2">
-            <a:extLst>
-              <a:ext uri="{FF2B5EF4-FFF2-40B4-BE49-F238E27FC236}">
-                <a16:creationId xmlns:a16="http://schemas.microsoft.com/office/drawing/2014/main" id="{A498A1F1-E5D1-8BAA-70F2-8B0E4E72F234}"/>
-              </a:ext>
-            </a:extLst>
-          </p:cNvPr>
-          <p:cNvSpPr>
-            <a:spLocks noGrp="1"/>
-          </p:cNvSpPr>
-          <p:nvPr>
-            <p:ph idx="1"/>
-          </p:nvPr>
-        </p:nvSpPr>
-        <p:spPr>
-          <a:xfrm>
-            <a:off x="1063752" y="1901952"/>
-            <a:ext cx="10058400" cy="4050792"/>
-          </a:xfrm>
-        </p:spPr>
-        <p:txBody>
-          <a:bodyPr>
-            <a:normAutofit/>
-          </a:bodyPr>
-          <a:lstStyle/>
-          <a:p>
-            <a:r>
-              <a:rPr lang="en-US" sz="2800" dirty="0">
-                <a:effectLst/>
-              </a:rPr>
-              <a:t>Recursive Feature Elimination (RFE) was used to rank and remove less important features.</a:t>
-            </a:r>
-          </a:p>
-          <a:p>
-            <a:r>
-              <a:rPr lang="en-US" sz="2800" dirty="0">
-                <a:effectLst/>
-              </a:rPr>
-              <a:t>Handling Multicollinearity was done by dropping one of those features with high correlation (BMI &amp; Skin Thickness and Pregnancies &amp; Age), to reduce overlapping features in modelling.</a:t>
-            </a:r>
-          </a:p>
-          <a:p>
-            <a:r>
-              <a:rPr lang="en-US" sz="2800" dirty="0">
-                <a:effectLst/>
-              </a:rPr>
-              <a:t>Based on RFE, the top selected features were Pregnancies, Glucose, BMI, Diabetes Pedigree Function and Low Insulin. </a:t>
-            </a:r>
-            <a:endParaRPr lang="en-US" sz="2800" dirty="0"/>
-          </a:p>
-        </p:txBody>
-      </p:sp>
-    </p:spTree>
-    <p:extLst>
-      <p:ext uri="{BB962C8B-B14F-4D97-AF65-F5344CB8AC3E}">
-        <p14:creationId xmlns:p14="http://schemas.microsoft.com/office/powerpoint/2010/main" val="3319788754"/>
-      </p:ext>
-    </p:extLst>
-  </p:cSld>
-  <p:clrMapOvr>
-    <a:masterClrMapping/>
-  </p:clrMapOvr>
-</p:sld>
-</file>
-
-<file path=ppt/slides/slide12.xml><?xml version="1.0" encoding="utf-8"?>
-<p:sld xmlns:a="http://schemas.openxmlformats.org/drawingml/2006/main" xmlns:r="http://schemas.openxmlformats.org/officeDocument/2006/relationships" xmlns:p="http://schemas.openxmlformats.org/presentationml/2006/main">
-  <p:cSld>
-    <p:spTree>
-      <p:nvGrpSpPr>
-        <p:cNvPr id="1" name=""/>
-        <p:cNvGrpSpPr/>
-        <p:nvPr/>
-      </p:nvGrpSpPr>
-      <p:grpSpPr>
-        <a:xfrm>
-          <a:off x="0" y="0"/>
-          <a:ext cx="0" cy="0"/>
-          <a:chOff x="0" y="0"/>
-          <a:chExt cx="0" cy="0"/>
-        </a:xfrm>
-      </p:grpSpPr>
-      <p:sp>
-        <p:nvSpPr>
-          <p:cNvPr id="4" name="Title 3">
-            <a:extLst>
-              <a:ext uri="{FF2B5EF4-FFF2-40B4-BE49-F238E27FC236}">
-                <a16:creationId xmlns:a16="http://schemas.microsoft.com/office/drawing/2014/main" id="{66534FBB-62B0-F3CC-20E7-CED5E54CA865}"/>
-              </a:ext>
-            </a:extLst>
-          </p:cNvPr>
-          <p:cNvSpPr>
-            <a:spLocks noGrp="1"/>
-          </p:cNvSpPr>
-          <p:nvPr>
-            <p:ph type="title"/>
-          </p:nvPr>
-        </p:nvSpPr>
-        <p:spPr>
-          <a:xfrm>
-            <a:off x="1213104" y="557340"/>
-            <a:ext cx="10058400" cy="1609725"/>
-          </a:xfrm>
-        </p:spPr>
-        <p:txBody>
-          <a:bodyPr/>
-          <a:lstStyle/>
-          <a:p>
-            <a:r>
-              <a:rPr lang="en-US" dirty="0"/>
-              <a:t>Model building </a:t>
-            </a:r>
-          </a:p>
-        </p:txBody>
-      </p:sp>
-      <p:sp>
-        <p:nvSpPr>
-          <p:cNvPr id="5" name="Content Placeholder 4">
-            <a:extLst>
-              <a:ext uri="{FF2B5EF4-FFF2-40B4-BE49-F238E27FC236}">
-                <a16:creationId xmlns:a16="http://schemas.microsoft.com/office/drawing/2014/main" id="{BFA4998E-EB24-4655-1F2C-9EB864CC2209}"/>
-              </a:ext>
-            </a:extLst>
-          </p:cNvPr>
-          <p:cNvSpPr>
-            <a:spLocks noGrp="1"/>
-          </p:cNvSpPr>
-          <p:nvPr>
-            <p:ph idx="1"/>
-          </p:nvPr>
-        </p:nvSpPr>
-        <p:spPr>
-          <a:xfrm>
-            <a:off x="1066800" y="1846580"/>
-            <a:ext cx="10058400" cy="4051300"/>
-          </a:xfrm>
-        </p:spPr>
-        <p:txBody>
-          <a:bodyPr>
-            <a:normAutofit/>
-          </a:bodyPr>
-          <a:lstStyle/>
-          <a:p>
-            <a:r>
-              <a:rPr lang="en-US" sz="2800" dirty="0"/>
-              <a:t>Data splitting into training and testing set</a:t>
-            </a:r>
-          </a:p>
-          <a:p>
-            <a:r>
-              <a:rPr lang="en-US" sz="2800" dirty="0"/>
-              <a:t>Trained multiple models’ classifiers which included Logistic Regression, Random Forest, Support Vector Machine (SVM)</a:t>
-            </a:r>
-          </a:p>
-          <a:p>
-            <a:r>
-              <a:rPr lang="en-US" sz="2800" dirty="0"/>
-              <a:t>The best performing model for the prediction is RANDOM FOREST CLASSIFIER with an accuracy of 78.99% </a:t>
-            </a:r>
-          </a:p>
-          <a:p>
-            <a:r>
-              <a:rPr lang="en-US" sz="2800" dirty="0"/>
-              <a:t>Employed the use of </a:t>
-            </a:r>
-            <a:r>
-              <a:rPr lang="en-US" sz="2800" dirty="0" err="1"/>
-              <a:t>GridSearchCV</a:t>
-            </a:r>
-            <a:r>
-              <a:rPr lang="en-US" sz="2800" dirty="0"/>
-              <a:t> for hyperparameter tuning to find the best configuration for the model</a:t>
-            </a:r>
-          </a:p>
-        </p:txBody>
-      </p:sp>
-    </p:spTree>
-    <p:extLst>
-      <p:ext uri="{BB962C8B-B14F-4D97-AF65-F5344CB8AC3E}">
-        <p14:creationId xmlns:p14="http://schemas.microsoft.com/office/powerpoint/2010/main" val="2278717883"/>
-      </p:ext>
-    </p:extLst>
-  </p:cSld>
-  <p:clrMapOvr>
-    <a:masterClrMapping/>
-  </p:clrMapOvr>
-</p:sld>
-</file>
-
-<file path=ppt/slides/slide13.xml><?xml version="1.0" encoding="utf-8"?>
-<p:sld xmlns:a="http://schemas.openxmlformats.org/drawingml/2006/main" xmlns:r="http://schemas.openxmlformats.org/officeDocument/2006/relationships" xmlns:p="http://schemas.openxmlformats.org/presentationml/2006/main">
-  <p:cSld>
-    <p:spTree>
-      <p:nvGrpSpPr>
-        <p:cNvPr id="1" name=""/>
-        <p:cNvGrpSpPr/>
-        <p:nvPr/>
-      </p:nvGrpSpPr>
-      <p:grpSpPr>
-        <a:xfrm>
-          <a:off x="0" y="0"/>
-          <a:ext cx="0" cy="0"/>
-          <a:chOff x="0" y="0"/>
-          <a:chExt cx="0" cy="0"/>
-        </a:xfrm>
-      </p:grpSpPr>
-      <p:sp>
-        <p:nvSpPr>
-          <p:cNvPr id="2" name="Title 1">
-            <a:extLst>
-              <a:ext uri="{FF2B5EF4-FFF2-40B4-BE49-F238E27FC236}">
-                <a16:creationId xmlns:a16="http://schemas.microsoft.com/office/drawing/2014/main" id="{46242BC0-3791-A8E3-2A56-6B6C9252E60E}"/>
+                <a16:creationId xmlns:a16="http://schemas.microsoft.com/office/drawing/2014/main" xmlns="" id="{46242BC0-3791-A8E3-2A56-6B6C9252E60E}"/>
               </a:ext>
             </a:extLst>
           </p:cNvPr>
@@ -4489,7 +4349,7 @@
           <p:cNvPr id="4" name="Content Placeholder 3">
             <a:extLst>
               <a:ext uri="{FF2B5EF4-FFF2-40B4-BE49-F238E27FC236}">
-                <a16:creationId xmlns:a16="http://schemas.microsoft.com/office/drawing/2014/main" id="{6A74E774-7C18-CFBF-F704-A7731031B9F4}"/>
+                <a16:creationId xmlns:a16="http://schemas.microsoft.com/office/drawing/2014/main" xmlns="" id="{6A74E774-7C18-CFBF-F704-A7731031B9F4}"/>
               </a:ext>
             </a:extLst>
           </p:cNvPr>
@@ -4519,21 +4379,21 @@
                 <a:gridCol w="3282654">
                   <a:extLst>
                     <a:ext uri="{9D8B030D-6E8A-4147-A177-3AD203B41FA5}">
-                      <a16:colId xmlns:a16="http://schemas.microsoft.com/office/drawing/2014/main" val="2880457901"/>
+                      <a16:colId xmlns:a16="http://schemas.microsoft.com/office/drawing/2014/main" xmlns="" val="2880457901"/>
                     </a:ext>
                   </a:extLst>
                 </a:gridCol>
                 <a:gridCol w="3282654">
                   <a:extLst>
                     <a:ext uri="{9D8B030D-6E8A-4147-A177-3AD203B41FA5}">
-                      <a16:colId xmlns:a16="http://schemas.microsoft.com/office/drawing/2014/main" val="860158915"/>
+                      <a16:colId xmlns:a16="http://schemas.microsoft.com/office/drawing/2014/main" xmlns="" val="860158915"/>
                     </a:ext>
                   </a:extLst>
                 </a:gridCol>
                 <a:gridCol w="3282654">
                   <a:extLst>
                     <a:ext uri="{9D8B030D-6E8A-4147-A177-3AD203B41FA5}">
-                      <a16:colId xmlns:a16="http://schemas.microsoft.com/office/drawing/2014/main" val="2817148691"/>
+                      <a16:colId xmlns:a16="http://schemas.microsoft.com/office/drawing/2014/main" xmlns="" val="2817148691"/>
                     </a:ext>
                   </a:extLst>
                 </a:gridCol>
@@ -4579,7 +4439,7 @@
                 </a:tc>
                 <a:extLst>
                   <a:ext uri="{0D108BD9-81ED-4DB2-BD59-A6C34878D82A}">
-                    <a16:rowId xmlns:a16="http://schemas.microsoft.com/office/drawing/2014/main" val="1789957756"/>
+                    <a16:rowId xmlns:a16="http://schemas.microsoft.com/office/drawing/2014/main" xmlns="" val="1789957756"/>
                   </a:ext>
                 </a:extLst>
               </a:tr>
@@ -4625,7 +4485,7 @@
                 </a:tc>
                 <a:extLst>
                   <a:ext uri="{0D108BD9-81ED-4DB2-BD59-A6C34878D82A}">
-                    <a16:rowId xmlns:a16="http://schemas.microsoft.com/office/drawing/2014/main" val="172969275"/>
+                    <a16:rowId xmlns:a16="http://schemas.microsoft.com/office/drawing/2014/main" xmlns="" val="172969275"/>
                   </a:ext>
                 </a:extLst>
               </a:tr>
@@ -4671,7 +4531,7 @@
                 </a:tc>
                 <a:extLst>
                   <a:ext uri="{0D108BD9-81ED-4DB2-BD59-A6C34878D82A}">
-                    <a16:rowId xmlns:a16="http://schemas.microsoft.com/office/drawing/2014/main" val="3574894854"/>
+                    <a16:rowId xmlns:a16="http://schemas.microsoft.com/office/drawing/2014/main" xmlns="" val="3574894854"/>
                   </a:ext>
                 </a:extLst>
               </a:tr>
@@ -4717,7 +4577,7 @@
                 </a:tc>
                 <a:extLst>
                   <a:ext uri="{0D108BD9-81ED-4DB2-BD59-A6C34878D82A}">
-                    <a16:rowId xmlns:a16="http://schemas.microsoft.com/office/drawing/2014/main" val="2656406595"/>
+                    <a16:rowId xmlns:a16="http://schemas.microsoft.com/office/drawing/2014/main" xmlns="" val="2656406595"/>
                   </a:ext>
                 </a:extLst>
               </a:tr>
@@ -4760,7 +4620,7 @@
                 </a:tc>
                 <a:extLst>
                   <a:ext uri="{0D108BD9-81ED-4DB2-BD59-A6C34878D82A}">
-                    <a16:rowId xmlns:a16="http://schemas.microsoft.com/office/drawing/2014/main" val="1919513767"/>
+                    <a16:rowId xmlns:a16="http://schemas.microsoft.com/office/drawing/2014/main" xmlns="" val="1919513767"/>
                   </a:ext>
                 </a:extLst>
               </a:tr>
@@ -4803,7 +4663,7 @@
                 </a:tc>
                 <a:extLst>
                   <a:ext uri="{0D108BD9-81ED-4DB2-BD59-A6C34878D82A}">
-                    <a16:rowId xmlns:a16="http://schemas.microsoft.com/office/drawing/2014/main" val="909593493"/>
+                    <a16:rowId xmlns:a16="http://schemas.microsoft.com/office/drawing/2014/main" xmlns="" val="909593493"/>
                   </a:ext>
                 </a:extLst>
               </a:tr>
@@ -4824,7 +4684,7 @@
 </p:sld>
 </file>
 
-<file path=ppt/slides/slide14.xml><?xml version="1.0" encoding="utf-8"?>
+<file path=ppt/slides/slide12.xml><?xml version="1.0" encoding="utf-8"?>
 <p:sld xmlns:a="http://schemas.openxmlformats.org/drawingml/2006/main" xmlns:r="http://schemas.openxmlformats.org/officeDocument/2006/relationships" xmlns:p="http://schemas.openxmlformats.org/presentationml/2006/main">
   <p:cSld>
     <p:spTree>
@@ -4846,7 +4706,7 @@
           <p:cNvPr id="2" name="Title 1">
             <a:extLst>
               <a:ext uri="{FF2B5EF4-FFF2-40B4-BE49-F238E27FC236}">
-                <a16:creationId xmlns:a16="http://schemas.microsoft.com/office/drawing/2014/main" id="{363B919A-839B-609B-34EA-6AB8D301216A}"/>
+                <a16:creationId xmlns:a16="http://schemas.microsoft.com/office/drawing/2014/main" xmlns="" id="{363B919A-839B-609B-34EA-6AB8D301216A}"/>
               </a:ext>
             </a:extLst>
           </p:cNvPr>
@@ -4874,7 +4734,7 @@
           <p:cNvPr id="5" name="Content Placeholder 4">
             <a:extLst>
               <a:ext uri="{FF2B5EF4-FFF2-40B4-BE49-F238E27FC236}">
-                <a16:creationId xmlns:a16="http://schemas.microsoft.com/office/drawing/2014/main" id="{083318BF-390B-3B62-A868-1EC1B554194A}"/>
+                <a16:creationId xmlns:a16="http://schemas.microsoft.com/office/drawing/2014/main" xmlns="" id="{083318BF-390B-3B62-A868-1EC1B554194A}"/>
               </a:ext>
             </a:extLst>
           </p:cNvPr>
@@ -4903,7 +4763,7 @@
           <p:cNvPr id="7" name="Picture 6">
             <a:extLst>
               <a:ext uri="{FF2B5EF4-FFF2-40B4-BE49-F238E27FC236}">
-                <a16:creationId xmlns:a16="http://schemas.microsoft.com/office/drawing/2014/main" id="{8EA8CE58-B1A6-BA08-315D-D2707F9EA23D}"/>
+                <a16:creationId xmlns:a16="http://schemas.microsoft.com/office/drawing/2014/main" xmlns="" id="{8EA8CE58-B1A6-BA08-315D-D2707F9EA23D}"/>
               </a:ext>
             </a:extLst>
           </p:cNvPr>
@@ -4941,7 +4801,7 @@
 </p:sld>
 </file>
 
-<file path=ppt/slides/slide15.xml><?xml version="1.0" encoding="utf-8"?>
+<file path=ppt/slides/slide13.xml><?xml version="1.0" encoding="utf-8"?>
 <p:sld xmlns:a="http://schemas.openxmlformats.org/drawingml/2006/main" xmlns:r="http://schemas.openxmlformats.org/officeDocument/2006/relationships" xmlns:p="http://schemas.openxmlformats.org/presentationml/2006/main">
   <p:cSld>
     <p:spTree>
@@ -4963,7 +4823,7 @@
           <p:cNvPr id="2" name="Title 1">
             <a:extLst>
               <a:ext uri="{FF2B5EF4-FFF2-40B4-BE49-F238E27FC236}">
-                <a16:creationId xmlns:a16="http://schemas.microsoft.com/office/drawing/2014/main" id="{E1F72729-E111-7A41-CFAC-FF4FE3289E5A}"/>
+                <a16:creationId xmlns:a16="http://schemas.microsoft.com/office/drawing/2014/main" xmlns="" id="{E1F72729-E111-7A41-CFAC-FF4FE3289E5A}"/>
               </a:ext>
             </a:extLst>
           </p:cNvPr>
@@ -4976,8 +4836,8 @@
         </p:nvSpPr>
         <p:spPr>
           <a:xfrm>
-            <a:off x="1063752" y="292608"/>
-            <a:ext cx="10058400" cy="1609344"/>
+            <a:off x="1063752" y="214746"/>
+            <a:ext cx="10058400" cy="893618"/>
           </a:xfrm>
         </p:spPr>
         <p:txBody>
@@ -4985,10 +4845,9 @@
           <a:lstStyle/>
           <a:p>
             <a:r>
-              <a:rPr lang="en-US" dirty="0" smtClean="0"/>
-              <a:t> RESULTS </a:t>
-            </a:r>
-            <a:endParaRPr lang="en-US" dirty="0"/>
+              <a:rPr lang="en-US" dirty="0"/>
+              <a:t>CONCLUSION </a:t>
+            </a:r>
           </a:p>
         </p:txBody>
       </p:sp>
@@ -4997,7 +4856,7 @@
           <p:cNvPr id="3" name="Content Placeholder 2">
             <a:extLst>
               <a:ext uri="{FF2B5EF4-FFF2-40B4-BE49-F238E27FC236}">
-                <a16:creationId xmlns:a16="http://schemas.microsoft.com/office/drawing/2014/main" id="{A33587A1-A154-8D55-158D-E5C9D33F5A2D}"/>
+                <a16:creationId xmlns:a16="http://schemas.microsoft.com/office/drawing/2014/main" xmlns="" id="{A33587A1-A154-8D55-158D-E5C9D33F5A2D}"/>
               </a:ext>
             </a:extLst>
           </p:cNvPr>
@@ -5010,30 +4869,77 @@
         </p:nvSpPr>
         <p:spPr>
           <a:xfrm>
-            <a:off x="1063752" y="2026643"/>
-            <a:ext cx="10058400" cy="4050792"/>
+            <a:off x="1063752" y="1236931"/>
+            <a:ext cx="10058400" cy="5233141"/>
           </a:xfrm>
         </p:spPr>
         <p:txBody>
           <a:bodyPr>
-            <a:normAutofit/>
+            <a:normAutofit lnSpcReduction="10000"/>
           </a:bodyPr>
           <a:lstStyle/>
           <a:p>
-            <a:pPr marL="0" indent="0">
+            <a:pPr marL="0" indent="0" algn="just">
               <a:buNone/>
             </a:pPr>
             <a:r>
-              <a:rPr lang="en-US" sz="3200" b="1" dirty="0" smtClean="0">
+              <a:rPr lang="en-US" sz="3600" b="1" dirty="0">
                 <a:effectLst/>
               </a:rPr>
-              <a:t>Challenges faced in data handling and what approach was used to resolve it.</a:t>
-            </a:r>
-            <a:endParaRPr lang="en-US" sz="3200" b="0" dirty="0">
-              <a:effectLst/>
-            </a:endParaRPr>
-          </a:p>
-          <a:p>
+              <a:t>Team </a:t>
+            </a:r>
+            <a:r>
+              <a:rPr lang="en-US" sz="3600" b="1" dirty="0" err="1">
+                <a:effectLst/>
+              </a:rPr>
+              <a:t>DataVerse</a:t>
+            </a:r>
+            <a:r>
+              <a:rPr lang="en-US" sz="3600" b="1" dirty="0">
+                <a:effectLst/>
+              </a:rPr>
+              <a:t> has successfully </a:t>
+            </a:r>
+            <a:r>
+              <a:rPr lang="en-US" sz="3600" b="1" dirty="0" smtClean="0">
+                <a:effectLst/>
+              </a:rPr>
+              <a:t>created</a:t>
+            </a:r>
+            <a:r>
+              <a:rPr lang="en-US" sz="3600" b="1" dirty="0" smtClean="0"/>
+              <a:t> </a:t>
+            </a:r>
+            <a:r>
+              <a:rPr lang="en-US" sz="3600" b="1" dirty="0"/>
+              <a:t>a reliable predictive model for early diabetes detection, enabling clinics to prioritize at-risk patients, optimize resource use, and improve patient outcomes through timely intervention.</a:t>
+            </a:r>
+          </a:p>
+          <a:p>
+            <a:pPr marL="0" indent="0" algn="just">
+              <a:buNone/>
+            </a:pPr>
+            <a:r>
+              <a:rPr lang="en-US" sz="3600" b="1" dirty="0" smtClean="0"/>
+              <a:t>Our </a:t>
+            </a:r>
+            <a:r>
+              <a:rPr lang="en-US" sz="3600" b="1" dirty="0"/>
+              <a:t>model for early diabetes detection, when integrated into an application, API, or healthcare system, </a:t>
+            </a:r>
+            <a:r>
+              <a:rPr lang="en-US" sz="3600" b="1" dirty="0" smtClean="0"/>
+              <a:t>will help </a:t>
+            </a:r>
+            <a:r>
+              <a:rPr lang="en-US" sz="3600" b="1" dirty="0"/>
+              <a:t>reduce hospital overcrowding by enabling easy self-screening for diabetes risk.</a:t>
+            </a:r>
+          </a:p>
+          <a:p>
+            <a:pPr marL="0" indent="0" algn="just">
+              <a:buNone/>
+            </a:pPr>
             <a:endParaRPr lang="en-US" sz="3200" dirty="0"/>
           </a:p>
         </p:txBody>
@@ -5041,7 +4947,7 @@
     </p:spTree>
     <p:extLst>
       <p:ext uri="{BB962C8B-B14F-4D97-AF65-F5344CB8AC3E}">
-        <p14:creationId xmlns:p14="http://schemas.microsoft.com/office/powerpoint/2010/main" val="2291259577"/>
+        <p14:creationId xmlns:p14="http://schemas.microsoft.com/office/powerpoint/2010/main" val="3153261195"/>
       </p:ext>
     </p:extLst>
   </p:cSld>
@@ -5051,7 +4957,7 @@
 </p:sld>
 </file>
 
-<file path=ppt/slides/slide16.xml><?xml version="1.0" encoding="utf-8"?>
+<file path=ppt/slides/slide14.xml><?xml version="1.0" encoding="utf-8"?>
 <p:sld xmlns:a="http://schemas.openxmlformats.org/drawingml/2006/main" xmlns:r="http://schemas.openxmlformats.org/officeDocument/2006/relationships" xmlns:p="http://schemas.openxmlformats.org/presentationml/2006/main">
   <p:cSld>
     <p:spTree>
@@ -5073,128 +4979,7 @@
           <p:cNvPr id="2" name="Title 1">
             <a:extLst>
               <a:ext uri="{FF2B5EF4-FFF2-40B4-BE49-F238E27FC236}">
-                <a16:creationId xmlns:a16="http://schemas.microsoft.com/office/drawing/2014/main" id="{E1F72729-E111-7A41-CFAC-FF4FE3289E5A}"/>
-              </a:ext>
-            </a:extLst>
-          </p:cNvPr>
-          <p:cNvSpPr>
-            <a:spLocks noGrp="1"/>
-          </p:cNvSpPr>
-          <p:nvPr>
-            <p:ph type="title"/>
-          </p:nvPr>
-        </p:nvSpPr>
-        <p:spPr>
-          <a:xfrm>
-            <a:off x="1063752" y="685800"/>
-            <a:ext cx="10058400" cy="1609344"/>
-          </a:xfrm>
-        </p:spPr>
-        <p:txBody>
-          <a:bodyPr/>
-          <a:lstStyle/>
-          <a:p>
-            <a:r>
-              <a:rPr lang="en-US" dirty="0"/>
-              <a:t>CONCLUSION </a:t>
-            </a:r>
-          </a:p>
-        </p:txBody>
-      </p:sp>
-      <p:sp>
-        <p:nvSpPr>
-          <p:cNvPr id="3" name="Content Placeholder 2">
-            <a:extLst>
-              <a:ext uri="{FF2B5EF4-FFF2-40B4-BE49-F238E27FC236}">
-                <a16:creationId xmlns:a16="http://schemas.microsoft.com/office/drawing/2014/main" id="{A33587A1-A154-8D55-158D-E5C9D33F5A2D}"/>
-              </a:ext>
-            </a:extLst>
-          </p:cNvPr>
-          <p:cNvSpPr>
-            <a:spLocks noGrp="1"/>
-          </p:cNvSpPr>
-          <p:nvPr>
-            <p:ph idx="1"/>
-          </p:nvPr>
-        </p:nvSpPr>
-        <p:spPr>
-          <a:xfrm>
-            <a:off x="1063752" y="1901952"/>
-            <a:ext cx="10058400" cy="4050792"/>
-          </a:xfrm>
-        </p:spPr>
-        <p:txBody>
-          <a:bodyPr>
-            <a:normAutofit/>
-          </a:bodyPr>
-          <a:lstStyle/>
-          <a:p>
-            <a:pPr marL="0" indent="0">
-              <a:buNone/>
-            </a:pPr>
-            <a:r>
-              <a:rPr lang="en-US" sz="3200" b="1" dirty="0">
-                <a:effectLst/>
-              </a:rPr>
-              <a:t>Team </a:t>
-            </a:r>
-            <a:r>
-              <a:rPr lang="en-US" sz="3200" b="1" dirty="0" err="1">
-                <a:effectLst/>
-              </a:rPr>
-              <a:t>DataVerse</a:t>
-            </a:r>
-            <a:r>
-              <a:rPr lang="en-US" sz="3200" b="1" dirty="0">
-                <a:effectLst/>
-              </a:rPr>
-              <a:t> has successfully created a diabetic predictive model which helps in early detection of diabetes, and when deployed into an application, API or healthcare setting  can help in the reduction of crowd in the hospital by giving them an opportunity to easily detect if they are diabetic or not.</a:t>
-            </a:r>
-            <a:endParaRPr lang="en-US" sz="3200" b="0" dirty="0">
-              <a:effectLst/>
-            </a:endParaRPr>
-          </a:p>
-          <a:p>
-            <a:endParaRPr lang="en-US" sz="3200" dirty="0"/>
-          </a:p>
-        </p:txBody>
-      </p:sp>
-    </p:spTree>
-    <p:extLst>
-      <p:ext uri="{BB962C8B-B14F-4D97-AF65-F5344CB8AC3E}">
-        <p14:creationId xmlns:p14="http://schemas.microsoft.com/office/powerpoint/2010/main" val="3153261195"/>
-      </p:ext>
-    </p:extLst>
-  </p:cSld>
-  <p:clrMapOvr>
-    <a:masterClrMapping/>
-  </p:clrMapOvr>
-</p:sld>
-</file>
-
-<file path=ppt/slides/slide17.xml><?xml version="1.0" encoding="utf-8"?>
-<p:sld xmlns:a="http://schemas.openxmlformats.org/drawingml/2006/main" xmlns:r="http://schemas.openxmlformats.org/officeDocument/2006/relationships" xmlns:p="http://schemas.openxmlformats.org/presentationml/2006/main">
-  <p:cSld>
-    <p:spTree>
-      <p:nvGrpSpPr>
-        <p:cNvPr id="1" name=""/>
-        <p:cNvGrpSpPr/>
-        <p:nvPr/>
-      </p:nvGrpSpPr>
-      <p:grpSpPr>
-        <a:xfrm>
-          <a:off x="0" y="0"/>
-          <a:ext cx="0" cy="0"/>
-          <a:chOff x="0" y="0"/>
-          <a:chExt cx="0" cy="0"/>
-        </a:xfrm>
-      </p:grpSpPr>
-      <p:sp>
-        <p:nvSpPr>
-          <p:cNvPr id="2" name="Title 1">
-            <a:extLst>
-              <a:ext uri="{FF2B5EF4-FFF2-40B4-BE49-F238E27FC236}">
-                <a16:creationId xmlns:a16="http://schemas.microsoft.com/office/drawing/2014/main" id="{72119704-A1EF-CE0D-1F0E-1B0A9AE1E77E}"/>
+                <a16:creationId xmlns:a16="http://schemas.microsoft.com/office/drawing/2014/main" xmlns="" id="{72119704-A1EF-CE0D-1F0E-1B0A9AE1E77E}"/>
               </a:ext>
             </a:extLst>
           </p:cNvPr>
@@ -5288,7 +5073,7 @@
           <p:cNvPr id="2" name="Title 1">
             <a:extLst>
               <a:ext uri="{FF2B5EF4-FFF2-40B4-BE49-F238E27FC236}">
-                <a16:creationId xmlns:a16="http://schemas.microsoft.com/office/drawing/2014/main" id="{A8EF707A-EFAE-727E-277E-CA3E818A41C4}"/>
+                <a16:creationId xmlns:a16="http://schemas.microsoft.com/office/drawing/2014/main" xmlns="" id="{A8EF707A-EFAE-727E-277E-CA3E818A41C4}"/>
               </a:ext>
             </a:extLst>
           </p:cNvPr>
@@ -5299,15 +5084,21 @@
             <p:ph type="title"/>
           </p:nvPr>
         </p:nvSpPr>
-        <p:spPr/>
+        <p:spPr>
+          <a:xfrm>
+            <a:off x="1063752" y="137683"/>
+            <a:ext cx="10058400" cy="1150790"/>
+          </a:xfrm>
+        </p:spPr>
         <p:txBody>
           <a:bodyPr/>
           <a:lstStyle/>
           <a:p>
             <a:r>
-              <a:rPr lang="en-US" dirty="0"/>
-              <a:t>BACKGROUND </a:t>
-            </a:r>
+              <a:rPr lang="en-US" dirty="0" smtClean="0"/>
+              <a:t>BACKGROUND &amp; PROBLEM STATEMENT </a:t>
+            </a:r>
+            <a:endParaRPr lang="en-US" dirty="0"/>
           </a:p>
         </p:txBody>
       </p:sp>
@@ -5316,7 +5107,7 @@
           <p:cNvPr id="3" name="Content Placeholder 2">
             <a:extLst>
               <a:ext uri="{FF2B5EF4-FFF2-40B4-BE49-F238E27FC236}">
-                <a16:creationId xmlns:a16="http://schemas.microsoft.com/office/drawing/2014/main" id="{F4C6ECCC-73C2-2CFA-4D34-00E5E47A0138}"/>
+                <a16:creationId xmlns:a16="http://schemas.microsoft.com/office/drawing/2014/main" xmlns="" id="{F4C6ECCC-73C2-2CFA-4D34-00E5E47A0138}"/>
               </a:ext>
             </a:extLst>
           </p:cNvPr>
@@ -5329,113 +5120,55 @@
         </p:nvSpPr>
         <p:spPr>
           <a:xfrm>
-            <a:off x="1063752" y="1814083"/>
-            <a:ext cx="10058400" cy="4752971"/>
+            <a:off x="1063752" y="1288473"/>
+            <a:ext cx="10058400" cy="5347854"/>
           </a:xfrm>
         </p:spPr>
         <p:txBody>
           <a:bodyPr>
-            <a:normAutofit lnSpcReduction="10000"/>
+            <a:normAutofit fontScale="55000" lnSpcReduction="20000"/>
           </a:bodyPr>
           <a:lstStyle/>
           <a:p>
-            <a:pPr marL="0" indent="0">
+            <a:pPr marL="0" indent="0" algn="just">
               <a:buNone/>
             </a:pPr>
             <a:r>
-              <a:rPr lang="en-US" sz="3200" dirty="0">
+              <a:rPr lang="en-US" sz="5500" dirty="0" smtClean="0"/>
+              <a:t>Diabetes is a condition where the body struggles to regulate blood sugar due to insufficient insulin production or ineffective use, causing high blood sugar and potential health issues. Affecting millions, it often goes undetected early, and traditional screening is resource intensive, highlighting the need for efficient, targeted approaches.</a:t>
+            </a:r>
+          </a:p>
+          <a:p>
+            <a:pPr marL="0" indent="0" algn="just">
+              <a:buNone/>
+            </a:pPr>
+            <a:endParaRPr lang="en-US" sz="5500" dirty="0" smtClean="0">
+              <a:cs typeface="Arial" panose="020B0604020202020204" pitchFamily="34" charset="0"/>
+            </a:endParaRPr>
+          </a:p>
+          <a:p>
+            <a:pPr marL="0" indent="0" algn="just">
+              <a:buNone/>
+            </a:pPr>
+            <a:r>
+              <a:rPr lang="en-US" sz="5500" dirty="0" smtClean="0">
                 <a:cs typeface="Arial" panose="020B0604020202020204" pitchFamily="34" charset="0"/>
               </a:rPr>
-              <a:t>Diabetes affects millions and often goes undetected </a:t>
-            </a:r>
-            <a:r>
-              <a:rPr lang="en-US" sz="3200" dirty="0" smtClean="0">
-                <a:cs typeface="Arial" panose="020B0604020202020204" pitchFamily="34" charset="0"/>
-              </a:rPr>
-              <a:t>early. </a:t>
-            </a:r>
-            <a:r>
-              <a:rPr lang="en-US" sz="3200" dirty="0">
-                <a:cs typeface="Arial" panose="020B0604020202020204" pitchFamily="34" charset="0"/>
-              </a:rPr>
-              <a:t>Traditional screening can be resource-intensive </a:t>
-            </a:r>
-            <a:r>
-              <a:rPr lang="en-US" sz="3200" dirty="0" smtClean="0">
-                <a:cs typeface="Arial" panose="020B0604020202020204" pitchFamily="34" charset="0"/>
-              </a:rPr>
-              <a:t>but there is need </a:t>
-            </a:r>
-            <a:r>
-              <a:rPr lang="en-US" sz="3200" dirty="0">
-                <a:cs typeface="Arial" panose="020B0604020202020204" pitchFamily="34" charset="0"/>
-              </a:rPr>
-              <a:t>for a more efficient and targeted approach. </a:t>
-            </a:r>
-            <a:endParaRPr lang="en-US" sz="3200" dirty="0" smtClean="0">
-              <a:cs typeface="Arial" panose="020B0604020202020204" pitchFamily="34" charset="0"/>
-            </a:endParaRPr>
-          </a:p>
-          <a:p>
-            <a:pPr marL="0" indent="0">
-              <a:buNone/>
-            </a:pPr>
-            <a:endParaRPr lang="en-US" sz="3200" dirty="0">
-              <a:cs typeface="Arial" panose="020B0604020202020204" pitchFamily="34" charset="0"/>
-            </a:endParaRPr>
-          </a:p>
-          <a:p>
-            <a:pPr marL="0" indent="0">
-              <a:buNone/>
-            </a:pPr>
-            <a:r>
-              <a:rPr lang="en-US" sz="3200" dirty="0" smtClean="0">
-                <a:cs typeface="Arial" panose="020B0604020202020204" pitchFamily="34" charset="0"/>
-              </a:rPr>
-              <a:t>By </a:t>
-            </a:r>
-            <a:r>
-              <a:rPr lang="en-US" sz="3200" dirty="0">
-                <a:cs typeface="Arial" panose="020B0604020202020204" pitchFamily="34" charset="0"/>
-              </a:rPr>
-              <a:t>leveraging </a:t>
-            </a:r>
-            <a:r>
-              <a:rPr lang="en-US" sz="3200" dirty="0" smtClean="0">
-                <a:cs typeface="Arial" panose="020B0604020202020204" pitchFamily="34" charset="0"/>
-              </a:rPr>
-              <a:t>data </a:t>
-            </a:r>
-            <a:r>
-              <a:rPr lang="en-US" sz="3200" dirty="0">
-                <a:cs typeface="Arial" panose="020B0604020202020204" pitchFamily="34" charset="0"/>
-              </a:rPr>
-              <a:t>to identify high-risk individuals for focused intervention a</a:t>
-            </a:r>
-            <a:r>
-              <a:rPr lang="en-US" sz="3200" dirty="0" smtClean="0">
+              <a:t>By leveraging data and using EDA to identify high-risk individuals and develop a classification model using machine learning, a</a:t>
+            </a:r>
+            <a:r>
+              <a:rPr lang="en-US" sz="5500" dirty="0" smtClean="0">
                 <a:effectLst/>
                 <a:ea typeface="Calibri" panose="020F0502020204030204" pitchFamily="34" charset="0"/>
                 <a:cs typeface="Arial" panose="020B0604020202020204" pitchFamily="34" charset="0"/>
               </a:rPr>
-              <a:t> </a:t>
-            </a:r>
-            <a:r>
-              <a:rPr lang="en-US" sz="3200" dirty="0">
-                <a:effectLst/>
-                <a:ea typeface="Calibri" panose="020F0502020204030204" pitchFamily="34" charset="0"/>
-                <a:cs typeface="Arial" panose="020B0604020202020204" pitchFamily="34" charset="0"/>
-              </a:rPr>
-              <a:t>mobile health clinic wants to pre-screen patients for diabetes using basic health indicators to reduce hospital </a:t>
-            </a:r>
-            <a:r>
-              <a:rPr lang="en-US" sz="3200" dirty="0" smtClean="0">
-                <a:effectLst/>
-                <a:ea typeface="Calibri" panose="020F0502020204030204" pitchFamily="34" charset="0"/>
-                <a:cs typeface="Arial" panose="020B0604020202020204" pitchFamily="34" charset="0"/>
-              </a:rPr>
-              <a:t>crowding and detect diabetes at the early development stages.</a:t>
-            </a:r>
+              <a:t> mobile health clinic wants to pre-screen patients for diabetes using basic health indicators like insulin, glucose levels, BMI, to reduce hospital crowding and detect diabetes at the early development stages.</a:t>
+            </a:r>
+          </a:p>
+          <a:p>
+            <a:pPr marL="0" indent="0">
+              <a:buNone/>
+            </a:pPr>
             <a:endParaRPr lang="en-US" sz="3600" dirty="0">
               <a:cs typeface="Arial" panose="020B0604020202020204" pitchFamily="34" charset="0"/>
             </a:endParaRPr>
@@ -5477,7 +5210,7 @@
           <p:cNvPr id="3" name="Content Placeholder 2">
             <a:extLst>
               <a:ext uri="{FF2B5EF4-FFF2-40B4-BE49-F238E27FC236}">
-                <a16:creationId xmlns:a16="http://schemas.microsoft.com/office/drawing/2014/main" id="{F4C6ECCC-73C2-2CFA-4D34-00E5E47A0138}"/>
+                <a16:creationId xmlns:a16="http://schemas.microsoft.com/office/drawing/2014/main" xmlns="" id="{F4C6ECCC-73C2-2CFA-4D34-00E5E47A0138}"/>
               </a:ext>
             </a:extLst>
           </p:cNvPr>
@@ -5490,56 +5223,173 @@
         </p:nvSpPr>
         <p:spPr>
           <a:xfrm>
-            <a:off x="1063752" y="1745673"/>
-            <a:ext cx="10058400" cy="4488872"/>
+            <a:off x="1063751" y="1413164"/>
+            <a:ext cx="10546357" cy="5444836"/>
           </a:xfrm>
         </p:spPr>
         <p:txBody>
           <a:bodyPr>
-            <a:normAutofit/>
+            <a:normAutofit fontScale="47500" lnSpcReduction="20000"/>
           </a:bodyPr>
           <a:lstStyle/>
           <a:p>
+            <a:pPr marL="0" indent="0" algn="just">
+              <a:buNone/>
+            </a:pPr>
+            <a:r>
+              <a:rPr lang="en-US" altLang="en-US" sz="6100" dirty="0" smtClean="0"/>
+              <a:t>Pima </a:t>
+            </a:r>
+            <a:r>
+              <a:rPr lang="en-US" altLang="en-US" sz="6100" dirty="0"/>
+              <a:t>Indian heritage dataset was used in this study, containing 768 records of female patients with 8 diabetes indicators studied (Glucose, BMI, Insulin, Blood Pressure, Skin Thickness, Age, Number of Pregnancies, Diabetes Pedigree Function</a:t>
+            </a:r>
+            <a:r>
+              <a:rPr lang="en-US" altLang="en-US" sz="6100" dirty="0" smtClean="0"/>
+              <a:t>)</a:t>
+            </a:r>
+          </a:p>
+          <a:p>
             <a:pPr marL="0" indent="0">
               <a:buNone/>
             </a:pPr>
-            <a:r>
-              <a:rPr lang="en-US" sz="3200" dirty="0" smtClean="0"/>
-              <a:t>Use </a:t>
-            </a:r>
-            <a:r>
-              <a:rPr lang="en-US" sz="3200" dirty="0"/>
-              <a:t>EDA to uncover factors that greatly influence the risk of </a:t>
-            </a:r>
-            <a:r>
-              <a:rPr lang="en-US" sz="3200" dirty="0" smtClean="0"/>
-              <a:t>diabetes and develop </a:t>
-            </a:r>
-            <a:r>
-              <a:rPr lang="en-US" sz="3200" dirty="0"/>
-              <a:t>a classification </a:t>
-            </a:r>
-            <a:r>
-              <a:rPr lang="en-US" sz="3200" dirty="0" smtClean="0"/>
-              <a:t>model using machine learning to </a:t>
-            </a:r>
-            <a:r>
-              <a:rPr lang="en-US" sz="3200" dirty="0"/>
-              <a:t>predict if a person has diabetes based on </a:t>
-            </a:r>
-            <a:r>
-              <a:rPr lang="en-US" sz="3200" dirty="0" smtClean="0"/>
-              <a:t>vital indicators </a:t>
-            </a:r>
-            <a:r>
-              <a:rPr lang="en-US" sz="3200" dirty="0"/>
-              <a:t>like BMI, glucose levels, insulin levels, and </a:t>
-            </a:r>
-            <a:r>
-              <a:rPr lang="en-US" sz="3200" dirty="0" smtClean="0"/>
-              <a:t>age. </a:t>
-            </a:r>
-            <a:endParaRPr lang="en-US" sz="3200" dirty="0"/>
+            <a:endParaRPr lang="en-US" altLang="en-US" sz="6100" dirty="0"/>
+          </a:p>
+          <a:p>
+            <a:pPr marL="0" lvl="0" indent="0" eaLnBrk="0" fontAlgn="base" hangingPunct="0">
+              <a:lnSpc>
+                <a:spcPct val="100000"/>
+              </a:lnSpc>
+              <a:spcBef>
+                <a:spcPct val="0"/>
+              </a:spcBef>
+              <a:spcAft>
+                <a:spcPct val="0"/>
+              </a:spcAft>
+              <a:buClrTx/>
+              <a:buSzTx/>
+              <a:buNone/>
+            </a:pPr>
+            <a:r>
+              <a:rPr lang="en-US" altLang="en-US" sz="6100" dirty="0"/>
+              <a:t>Data Cleaning and Classification: </a:t>
+            </a:r>
+            <a:r>
+              <a:rPr lang="en-US" sz="6100" dirty="0"/>
+              <a:t>errors, inconsistencies, missing values, and duplicates in a dataset was identified  and corrected</a:t>
+            </a:r>
+            <a:endParaRPr lang="en-US" altLang="en-US" sz="6100" dirty="0"/>
+          </a:p>
+          <a:p>
+            <a:pPr marL="0" lvl="0" indent="0" eaLnBrk="0" fontAlgn="base" hangingPunct="0">
+              <a:lnSpc>
+                <a:spcPct val="100000"/>
+              </a:lnSpc>
+              <a:spcBef>
+                <a:spcPct val="0"/>
+              </a:spcBef>
+              <a:spcAft>
+                <a:spcPct val="0"/>
+              </a:spcAft>
+              <a:buClrTx/>
+              <a:buSzTx/>
+              <a:buNone/>
+            </a:pPr>
+            <a:endParaRPr lang="en-US" altLang="en-US" sz="6100" dirty="0"/>
+          </a:p>
+          <a:p>
+            <a:pPr marL="0" lvl="0" indent="0" eaLnBrk="0" fontAlgn="base" hangingPunct="0">
+              <a:lnSpc>
+                <a:spcPct val="100000"/>
+              </a:lnSpc>
+              <a:spcBef>
+                <a:spcPct val="0"/>
+              </a:spcBef>
+              <a:spcAft>
+                <a:spcPct val="0"/>
+              </a:spcAft>
+              <a:buClrTx/>
+              <a:buSzTx/>
+              <a:buNone/>
+            </a:pPr>
+            <a:r>
+              <a:rPr lang="en-US" altLang="en-US" sz="6100" dirty="0"/>
+              <a:t>Features Selection</a:t>
+            </a:r>
+          </a:p>
+          <a:p>
+            <a:pPr marL="0" lvl="0" indent="0" eaLnBrk="0" fontAlgn="base" hangingPunct="0">
+              <a:lnSpc>
+                <a:spcPct val="100000"/>
+              </a:lnSpc>
+              <a:spcBef>
+                <a:spcPct val="0"/>
+              </a:spcBef>
+              <a:spcAft>
+                <a:spcPct val="0"/>
+              </a:spcAft>
+              <a:buClrTx/>
+              <a:buSzTx/>
+              <a:buNone/>
+            </a:pPr>
+            <a:endParaRPr lang="en-US" altLang="en-US" sz="6100" dirty="0"/>
+          </a:p>
+          <a:p>
+            <a:pPr marL="0" lvl="0" indent="0" eaLnBrk="0" fontAlgn="base" hangingPunct="0">
+              <a:lnSpc>
+                <a:spcPct val="100000"/>
+              </a:lnSpc>
+              <a:spcBef>
+                <a:spcPct val="0"/>
+              </a:spcBef>
+              <a:spcAft>
+                <a:spcPct val="0"/>
+              </a:spcAft>
+              <a:buClrTx/>
+              <a:buSzTx/>
+              <a:buNone/>
+            </a:pPr>
+            <a:r>
+              <a:rPr lang="en-US" altLang="en-US" sz="6100" dirty="0"/>
+              <a:t>Model Building </a:t>
+            </a:r>
+          </a:p>
+          <a:p>
+            <a:pPr marL="0" lvl="0" indent="0" eaLnBrk="0" fontAlgn="base" hangingPunct="0">
+              <a:lnSpc>
+                <a:spcPct val="100000"/>
+              </a:lnSpc>
+              <a:spcBef>
+                <a:spcPct val="0"/>
+              </a:spcBef>
+              <a:spcAft>
+                <a:spcPct val="0"/>
+              </a:spcAft>
+              <a:buClrTx/>
+              <a:buSzTx/>
+              <a:buNone/>
+            </a:pPr>
+            <a:endParaRPr lang="en-US" altLang="en-US" sz="6100" dirty="0"/>
+          </a:p>
+          <a:p>
+            <a:pPr marL="0" lvl="0" indent="0" eaLnBrk="0" fontAlgn="base" hangingPunct="0">
+              <a:lnSpc>
+                <a:spcPct val="100000"/>
+              </a:lnSpc>
+              <a:spcBef>
+                <a:spcPct val="0"/>
+              </a:spcBef>
+              <a:spcAft>
+                <a:spcPct val="0"/>
+              </a:spcAft>
+              <a:buClrTx/>
+              <a:buSzTx/>
+              <a:buNone/>
+            </a:pPr>
+            <a:r>
+              <a:rPr lang="en-US" altLang="en-US" sz="6100" dirty="0"/>
+              <a:t>Model Evaluation </a:t>
+            </a:r>
           </a:p>
           <a:p>
             <a:pPr marL="0" indent="0">
@@ -5561,7 +5411,7 @@
         </p:nvSpPr>
         <p:spPr>
           <a:xfrm>
-            <a:off x="1063752" y="426413"/>
+            <a:off x="1063752" y="177031"/>
             <a:ext cx="10058400" cy="1111442"/>
           </a:xfrm>
         </p:spPr>
@@ -5571,7 +5421,23 @@
           <a:p>
             <a:r>
               <a:rPr lang="en-US" dirty="0" smtClean="0"/>
-              <a:t>Problem statement</a:t>
+              <a:t>Data </a:t>
+            </a:r>
+            <a:r>
+              <a:rPr lang="en-US" dirty="0"/>
+              <a:t>set </a:t>
+            </a:r>
+            <a:r>
+              <a:rPr lang="en-US" dirty="0" smtClean="0"/>
+              <a:t>used &amp; </a:t>
+            </a:r>
+            <a:r>
+              <a:rPr lang="en-US" dirty="0"/>
+              <a:t>Methodology </a:t>
+            </a:r>
+            <a:r>
+              <a:rPr lang="en-US" dirty="0" smtClean="0"/>
+              <a:t> </a:t>
             </a:r>
             <a:endParaRPr lang="en-US" dirty="0"/>
           </a:p>
@@ -5609,425 +5475,10 @@
       </p:grpSpPr>
       <p:sp>
         <p:nvSpPr>
-          <p:cNvPr id="3" name="Content Placeholder 2">
-            <a:extLst>
-              <a:ext uri="{FF2B5EF4-FFF2-40B4-BE49-F238E27FC236}">
-                <a16:creationId xmlns:a16="http://schemas.microsoft.com/office/drawing/2014/main" id="{F4C6ECCC-73C2-2CFA-4D34-00E5E47A0138}"/>
-              </a:ext>
-            </a:extLst>
-          </p:cNvPr>
-          <p:cNvSpPr>
-            <a:spLocks noGrp="1"/>
-          </p:cNvSpPr>
-          <p:nvPr>
-            <p:ph idx="1"/>
-          </p:nvPr>
-        </p:nvSpPr>
-        <p:spPr>
-          <a:xfrm>
-            <a:off x="1063752" y="1537854"/>
-            <a:ext cx="10058400" cy="3200401"/>
-          </a:xfrm>
-        </p:spPr>
-        <p:txBody>
-          <a:bodyPr>
-            <a:normAutofit/>
-          </a:bodyPr>
-          <a:lstStyle/>
-          <a:p>
-            <a:pPr marL="0" lvl="0" indent="0" eaLnBrk="0" fontAlgn="base" hangingPunct="0">
-              <a:lnSpc>
-                <a:spcPct val="100000"/>
-              </a:lnSpc>
-              <a:spcBef>
-                <a:spcPct val="0"/>
-              </a:spcBef>
-              <a:spcAft>
-                <a:spcPct val="0"/>
-              </a:spcAft>
-              <a:buClrTx/>
-              <a:buSzTx/>
-              <a:buNone/>
-            </a:pPr>
-            <a:r>
-              <a:rPr lang="en-US" altLang="en-US" sz="3200" dirty="0" smtClean="0"/>
-              <a:t>Pima </a:t>
-            </a:r>
-            <a:r>
-              <a:rPr lang="en-US" altLang="en-US" sz="3200" dirty="0"/>
-              <a:t>Indian </a:t>
-            </a:r>
-            <a:r>
-              <a:rPr lang="en-US" altLang="en-US" sz="3200" dirty="0" smtClean="0"/>
-              <a:t>heritage dataset was used in this study, containing </a:t>
-            </a:r>
-            <a:r>
-              <a:rPr lang="en-US" altLang="en-US" sz="3200" dirty="0"/>
-              <a:t>768 records of female </a:t>
-            </a:r>
-            <a:r>
-              <a:rPr lang="en-US" altLang="en-US" sz="3200" dirty="0" smtClean="0"/>
-              <a:t>patients with 8 diabetes indicators studied (Glucose, BMI, Insulin, Blood Pressure, Skin Thickness, Age, Number of Pregnancies, Diabetes Pedigree Function)</a:t>
-            </a:r>
-          </a:p>
-          <a:p>
-            <a:pPr marL="0" lvl="0" indent="0" eaLnBrk="0" fontAlgn="base" hangingPunct="0">
-              <a:lnSpc>
-                <a:spcPct val="100000"/>
-              </a:lnSpc>
-              <a:spcBef>
-                <a:spcPct val="0"/>
-              </a:spcBef>
-              <a:spcAft>
-                <a:spcPct val="0"/>
-              </a:spcAft>
-              <a:buClrTx/>
-              <a:buSzTx/>
-              <a:buNone/>
-            </a:pPr>
-            <a:endParaRPr lang="en-US" sz="3200" dirty="0" smtClean="0"/>
-          </a:p>
-        </p:txBody>
-      </p:sp>
-      <p:sp>
-        <p:nvSpPr>
-          <p:cNvPr id="4" name="Title 3"/>
-          <p:cNvSpPr>
-            <a:spLocks noGrp="1"/>
-          </p:cNvSpPr>
-          <p:nvPr>
-            <p:ph type="title"/>
-          </p:nvPr>
-        </p:nvSpPr>
-        <p:spPr>
-          <a:xfrm>
-            <a:off x="1063752" y="426413"/>
-            <a:ext cx="10058400" cy="1111442"/>
-          </a:xfrm>
-        </p:spPr>
-        <p:txBody>
-          <a:bodyPr/>
-          <a:lstStyle/>
-          <a:p>
-            <a:r>
-              <a:rPr lang="en-US" dirty="0" smtClean="0"/>
-              <a:t>Data set Used</a:t>
-            </a:r>
-            <a:endParaRPr lang="en-US" dirty="0"/>
-          </a:p>
-        </p:txBody>
-      </p:sp>
-    </p:spTree>
-    <p:extLst>
-      <p:ext uri="{BB962C8B-B14F-4D97-AF65-F5344CB8AC3E}">
-        <p14:creationId xmlns:p14="http://schemas.microsoft.com/office/powerpoint/2010/main" val="3419327201"/>
-      </p:ext>
-    </p:extLst>
-  </p:cSld>
-  <p:clrMapOvr>
-    <a:masterClrMapping/>
-  </p:clrMapOvr>
-</p:sld>
-</file>
-
-<file path=ppt/slides/slide5.xml><?xml version="1.0" encoding="utf-8"?>
-<p:sld xmlns:a="http://schemas.openxmlformats.org/drawingml/2006/main" xmlns:r="http://schemas.openxmlformats.org/officeDocument/2006/relationships" xmlns:p="http://schemas.openxmlformats.org/presentationml/2006/main">
-  <p:cSld>
-    <p:spTree>
-      <p:nvGrpSpPr>
-        <p:cNvPr id="1" name=""/>
-        <p:cNvGrpSpPr/>
-        <p:nvPr/>
-      </p:nvGrpSpPr>
-      <p:grpSpPr>
-        <a:xfrm>
-          <a:off x="0" y="0"/>
-          <a:ext cx="0" cy="0"/>
-          <a:chOff x="0" y="0"/>
-          <a:chExt cx="0" cy="0"/>
-        </a:xfrm>
-      </p:grpSpPr>
-      <p:sp>
-        <p:nvSpPr>
-          <p:cNvPr id="3" name="Content Placeholder 2">
-            <a:extLst>
-              <a:ext uri="{FF2B5EF4-FFF2-40B4-BE49-F238E27FC236}">
-                <a16:creationId xmlns:a16="http://schemas.microsoft.com/office/drawing/2014/main" id="{F4C6ECCC-73C2-2CFA-4D34-00E5E47A0138}"/>
-              </a:ext>
-            </a:extLst>
-          </p:cNvPr>
-          <p:cNvSpPr>
-            <a:spLocks noGrp="1"/>
-          </p:cNvSpPr>
-          <p:nvPr>
-            <p:ph idx="1"/>
-          </p:nvPr>
-        </p:nvSpPr>
-        <p:spPr>
-          <a:xfrm>
-            <a:off x="1063752" y="1537853"/>
-            <a:ext cx="10058400" cy="4779820"/>
-          </a:xfrm>
-        </p:spPr>
-        <p:txBody>
-          <a:bodyPr>
-            <a:normAutofit/>
-          </a:bodyPr>
-          <a:lstStyle/>
-          <a:p>
-            <a:pPr marL="0" lvl="0" indent="0" eaLnBrk="0" fontAlgn="base" hangingPunct="0">
-              <a:lnSpc>
-                <a:spcPct val="100000"/>
-              </a:lnSpc>
-              <a:spcBef>
-                <a:spcPct val="0"/>
-              </a:spcBef>
-              <a:spcAft>
-                <a:spcPct val="0"/>
-              </a:spcAft>
-              <a:buClrTx/>
-              <a:buSzTx/>
-              <a:buNone/>
-            </a:pPr>
-            <a:r>
-              <a:rPr lang="en-US" altLang="en-US" sz="3200" dirty="0" smtClean="0"/>
-              <a:t>Data Cleaning and Classification: </a:t>
-            </a:r>
-            <a:r>
-              <a:rPr lang="en-US" sz="3200" dirty="0" smtClean="0"/>
-              <a:t>errors, inconsistencies</a:t>
-            </a:r>
-            <a:r>
-              <a:rPr lang="en-US" sz="3200" dirty="0"/>
-              <a:t>, missing values, and duplicates in a </a:t>
-            </a:r>
-            <a:r>
-              <a:rPr lang="en-US" sz="3200" dirty="0" smtClean="0"/>
-              <a:t>dataset</a:t>
-            </a:r>
-            <a:r>
-              <a:rPr lang="en-US" sz="3200" dirty="0"/>
-              <a:t> </a:t>
-            </a:r>
-            <a:r>
-              <a:rPr lang="en-US" sz="3200" dirty="0" smtClean="0"/>
-              <a:t>was identified  and corrected</a:t>
-            </a:r>
-            <a:endParaRPr lang="en-US" altLang="en-US" sz="3200" dirty="0" smtClean="0"/>
-          </a:p>
-          <a:p>
-            <a:pPr marL="0" lvl="0" indent="0" eaLnBrk="0" fontAlgn="base" hangingPunct="0">
-              <a:lnSpc>
-                <a:spcPct val="100000"/>
-              </a:lnSpc>
-              <a:spcBef>
-                <a:spcPct val="0"/>
-              </a:spcBef>
-              <a:spcAft>
-                <a:spcPct val="0"/>
-              </a:spcAft>
-              <a:buClrTx/>
-              <a:buSzTx/>
-              <a:buNone/>
-            </a:pPr>
-            <a:endParaRPr lang="en-US" altLang="en-US" sz="3200" dirty="0" smtClean="0"/>
-          </a:p>
-          <a:p>
-            <a:pPr marL="0" lvl="0" indent="0" eaLnBrk="0" fontAlgn="base" hangingPunct="0">
-              <a:lnSpc>
-                <a:spcPct val="100000"/>
-              </a:lnSpc>
-              <a:spcBef>
-                <a:spcPct val="0"/>
-              </a:spcBef>
-              <a:spcAft>
-                <a:spcPct val="0"/>
-              </a:spcAft>
-              <a:buClrTx/>
-              <a:buSzTx/>
-              <a:buNone/>
-            </a:pPr>
-            <a:r>
-              <a:rPr lang="en-US" altLang="en-US" sz="3200" dirty="0" smtClean="0"/>
-              <a:t>Features Selection</a:t>
-            </a:r>
-          </a:p>
-          <a:p>
-            <a:pPr marL="0" lvl="0" indent="0" eaLnBrk="0" fontAlgn="base" hangingPunct="0">
-              <a:lnSpc>
-                <a:spcPct val="100000"/>
-              </a:lnSpc>
-              <a:spcBef>
-                <a:spcPct val="0"/>
-              </a:spcBef>
-              <a:spcAft>
-                <a:spcPct val="0"/>
-              </a:spcAft>
-              <a:buClrTx/>
-              <a:buSzTx/>
-              <a:buNone/>
-            </a:pPr>
-            <a:endParaRPr lang="en-US" altLang="en-US" sz="3200" dirty="0"/>
-          </a:p>
-          <a:p>
-            <a:pPr marL="0" lvl="0" indent="0" eaLnBrk="0" fontAlgn="base" hangingPunct="0">
-              <a:lnSpc>
-                <a:spcPct val="100000"/>
-              </a:lnSpc>
-              <a:spcBef>
-                <a:spcPct val="0"/>
-              </a:spcBef>
-              <a:spcAft>
-                <a:spcPct val="0"/>
-              </a:spcAft>
-              <a:buClrTx/>
-              <a:buSzTx/>
-              <a:buNone/>
-            </a:pPr>
-            <a:r>
-              <a:rPr lang="en-US" altLang="en-US" sz="3200" dirty="0" smtClean="0"/>
-              <a:t>Model Building </a:t>
-            </a:r>
-          </a:p>
-          <a:p>
-            <a:pPr marL="0" lvl="0" indent="0" eaLnBrk="0" fontAlgn="base" hangingPunct="0">
-              <a:lnSpc>
-                <a:spcPct val="100000"/>
-              </a:lnSpc>
-              <a:spcBef>
-                <a:spcPct val="0"/>
-              </a:spcBef>
-              <a:spcAft>
-                <a:spcPct val="0"/>
-              </a:spcAft>
-              <a:buClrTx/>
-              <a:buSzTx/>
-              <a:buNone/>
-            </a:pPr>
-            <a:endParaRPr lang="en-US" altLang="en-US" sz="3200" dirty="0"/>
-          </a:p>
-          <a:p>
-            <a:pPr marL="0" lvl="0" indent="0" eaLnBrk="0" fontAlgn="base" hangingPunct="0">
-              <a:lnSpc>
-                <a:spcPct val="100000"/>
-              </a:lnSpc>
-              <a:spcBef>
-                <a:spcPct val="0"/>
-              </a:spcBef>
-              <a:spcAft>
-                <a:spcPct val="0"/>
-              </a:spcAft>
-              <a:buClrTx/>
-              <a:buSzTx/>
-              <a:buNone/>
-            </a:pPr>
-            <a:r>
-              <a:rPr lang="en-US" altLang="en-US" sz="3200" dirty="0" smtClean="0"/>
-              <a:t>Model Evaluation </a:t>
-            </a:r>
-          </a:p>
-          <a:p>
-            <a:pPr marL="0" lvl="0" indent="0" eaLnBrk="0" fontAlgn="base" hangingPunct="0">
-              <a:lnSpc>
-                <a:spcPct val="100000"/>
-              </a:lnSpc>
-              <a:spcBef>
-                <a:spcPct val="0"/>
-              </a:spcBef>
-              <a:spcAft>
-                <a:spcPct val="0"/>
-              </a:spcAft>
-              <a:buClrTx/>
-              <a:buSzTx/>
-              <a:buNone/>
-            </a:pPr>
-            <a:endParaRPr lang="en-US" altLang="en-US" sz="3200" dirty="0" smtClean="0">
-              <a:latin typeface="Arial" panose="020B0604020202020204" pitchFamily="34" charset="0"/>
-            </a:endParaRPr>
-          </a:p>
-          <a:p>
-            <a:pPr marL="0" lvl="0" indent="0" eaLnBrk="0" fontAlgn="base" hangingPunct="0">
-              <a:lnSpc>
-                <a:spcPct val="100000"/>
-              </a:lnSpc>
-              <a:spcBef>
-                <a:spcPct val="0"/>
-              </a:spcBef>
-              <a:spcAft>
-                <a:spcPct val="0"/>
-              </a:spcAft>
-              <a:buClrTx/>
-              <a:buSzTx/>
-              <a:buNone/>
-            </a:pPr>
-            <a:endParaRPr lang="en-US" sz="3200" dirty="0" smtClean="0"/>
-          </a:p>
-        </p:txBody>
-      </p:sp>
-      <p:sp>
-        <p:nvSpPr>
-          <p:cNvPr id="4" name="Title 3"/>
-          <p:cNvSpPr>
-            <a:spLocks noGrp="1"/>
-          </p:cNvSpPr>
-          <p:nvPr>
-            <p:ph type="title"/>
-          </p:nvPr>
-        </p:nvSpPr>
-        <p:spPr>
-          <a:xfrm>
-            <a:off x="1063752" y="426413"/>
-            <a:ext cx="10058400" cy="1111442"/>
-          </a:xfrm>
-        </p:spPr>
-        <p:txBody>
-          <a:bodyPr/>
-          <a:lstStyle/>
-          <a:p>
-            <a:r>
-              <a:rPr lang="en-US" dirty="0" smtClean="0"/>
-              <a:t>Methodology</a:t>
-            </a:r>
-            <a:endParaRPr lang="en-US" dirty="0"/>
-          </a:p>
-        </p:txBody>
-      </p:sp>
-    </p:spTree>
-    <p:extLst>
-      <p:ext uri="{BB962C8B-B14F-4D97-AF65-F5344CB8AC3E}">
-        <p14:creationId xmlns:p14="http://schemas.microsoft.com/office/powerpoint/2010/main" val="2054739334"/>
-      </p:ext>
-    </p:extLst>
-  </p:cSld>
-  <p:clrMapOvr>
-    <a:masterClrMapping/>
-  </p:clrMapOvr>
-</p:sld>
-</file>
-
-<file path=ppt/slides/slide6.xml><?xml version="1.0" encoding="utf-8"?>
-<p:sld xmlns:a="http://schemas.openxmlformats.org/drawingml/2006/main" xmlns:r="http://schemas.openxmlformats.org/officeDocument/2006/relationships" xmlns:p="http://schemas.openxmlformats.org/presentationml/2006/main">
-  <p:cSld>
-    <p:spTree>
-      <p:nvGrpSpPr>
-        <p:cNvPr id="1" name=""/>
-        <p:cNvGrpSpPr/>
-        <p:nvPr/>
-      </p:nvGrpSpPr>
-      <p:grpSpPr>
-        <a:xfrm>
-          <a:off x="0" y="0"/>
-          <a:ext cx="0" cy="0"/>
-          <a:chOff x="0" y="0"/>
-          <a:chExt cx="0" cy="0"/>
-        </a:xfrm>
-      </p:grpSpPr>
-      <p:sp>
-        <p:nvSpPr>
           <p:cNvPr id="2" name="Title 1">
             <a:extLst>
               <a:ext uri="{FF2B5EF4-FFF2-40B4-BE49-F238E27FC236}">
-                <a16:creationId xmlns:a16="http://schemas.microsoft.com/office/drawing/2014/main" id="{B6BEC0C2-9945-976E-DD9F-F9C7E9C8F3F5}"/>
+                <a16:creationId xmlns:a16="http://schemas.microsoft.com/office/drawing/2014/main" xmlns="" id="{B6BEC0C2-9945-976E-DD9F-F9C7E9C8F3F5}"/>
               </a:ext>
             </a:extLst>
           </p:cNvPr>
@@ -6060,7 +5511,7 @@
           <p:cNvPr id="5" name="Content Placeholder 4">
             <a:extLst>
               <a:ext uri="{FF2B5EF4-FFF2-40B4-BE49-F238E27FC236}">
-                <a16:creationId xmlns:a16="http://schemas.microsoft.com/office/drawing/2014/main" id="{5507FC0E-C367-FE51-8C54-88C9AD0FEEA9}"/>
+                <a16:creationId xmlns:a16="http://schemas.microsoft.com/office/drawing/2014/main" xmlns="" id="{5507FC0E-C367-FE51-8C54-88C9AD0FEEA9}"/>
               </a:ext>
             </a:extLst>
           </p:cNvPr>
@@ -6097,7 +5548,7 @@
 </p:sld>
 </file>
 
-<file path=ppt/slides/slide7.xml><?xml version="1.0" encoding="utf-8"?>
+<file path=ppt/slides/slide5.xml><?xml version="1.0" encoding="utf-8"?>
 <p:sld xmlns:a="http://schemas.openxmlformats.org/drawingml/2006/main" xmlns:r="http://schemas.openxmlformats.org/officeDocument/2006/relationships" xmlns:p="http://schemas.openxmlformats.org/presentationml/2006/main">
   <p:cSld>
     <p:spTree>
@@ -6119,7 +5570,7 @@
           <p:cNvPr id="2" name="Title 1">
             <a:extLst>
               <a:ext uri="{FF2B5EF4-FFF2-40B4-BE49-F238E27FC236}">
-                <a16:creationId xmlns:a16="http://schemas.microsoft.com/office/drawing/2014/main" id="{BBE1BB21-5507-D7E2-E293-28A8A29F93C5}"/>
+                <a16:creationId xmlns:a16="http://schemas.microsoft.com/office/drawing/2014/main" xmlns="" id="{BBE1BB21-5507-D7E2-E293-28A8A29F93C5}"/>
               </a:ext>
             </a:extLst>
           </p:cNvPr>
@@ -6152,7 +5603,7 @@
           <p:cNvPr id="7" name="Picture 6">
             <a:extLst>
               <a:ext uri="{FF2B5EF4-FFF2-40B4-BE49-F238E27FC236}">
-                <a16:creationId xmlns:a16="http://schemas.microsoft.com/office/drawing/2014/main" id="{E1FA6873-C724-2454-EF79-80709529087B}"/>
+                <a16:creationId xmlns:a16="http://schemas.microsoft.com/office/drawing/2014/main" xmlns="" id="{E1FA6873-C724-2454-EF79-80709529087B}"/>
               </a:ext>
             </a:extLst>
           </p:cNvPr>
@@ -6190,6 +5641,192 @@
 </p:sld>
 </file>
 
+<file path=ppt/slides/slide6.xml><?xml version="1.0" encoding="utf-8"?>
+<p:sld xmlns:a="http://schemas.openxmlformats.org/drawingml/2006/main" xmlns:r="http://schemas.openxmlformats.org/officeDocument/2006/relationships" xmlns:p="http://schemas.openxmlformats.org/presentationml/2006/main">
+  <p:cSld>
+    <p:spTree>
+      <p:nvGrpSpPr>
+        <p:cNvPr id="1" name=""/>
+        <p:cNvGrpSpPr/>
+        <p:nvPr/>
+      </p:nvGrpSpPr>
+      <p:grpSpPr>
+        <a:xfrm>
+          <a:off x="0" y="0"/>
+          <a:ext cx="0" cy="0"/>
+          <a:chOff x="0" y="0"/>
+          <a:chExt cx="0" cy="0"/>
+        </a:xfrm>
+      </p:grpSpPr>
+      <p:sp>
+        <p:nvSpPr>
+          <p:cNvPr id="2" name="Title 1">
+            <a:extLst>
+              <a:ext uri="{FF2B5EF4-FFF2-40B4-BE49-F238E27FC236}">
+                <a16:creationId xmlns:a16="http://schemas.microsoft.com/office/drawing/2014/main" xmlns="" id="{7B86C40E-B8F7-28DB-AFCC-B00D44F9E09B}"/>
+              </a:ext>
+            </a:extLst>
+          </p:cNvPr>
+          <p:cNvSpPr>
+            <a:spLocks noGrp="1"/>
+          </p:cNvSpPr>
+          <p:nvPr>
+            <p:ph type="title"/>
+          </p:nvPr>
+        </p:nvSpPr>
+        <p:spPr>
+          <a:xfrm>
+            <a:off x="926592" y="18288"/>
+            <a:ext cx="10058400" cy="1371600"/>
+          </a:xfrm>
+        </p:spPr>
+        <p:txBody>
+          <a:bodyPr>
+            <a:normAutofit fontScale="90000"/>
+          </a:bodyPr>
+          <a:lstStyle/>
+          <a:p>
+            <a:r>
+              <a:rPr lang="en-US" dirty="0"/>
+              <a:t>Insulin classification BASED ON OUTCOME</a:t>
+            </a:r>
+          </a:p>
+        </p:txBody>
+      </p:sp>
+      <p:pic>
+        <p:nvPicPr>
+          <p:cNvPr id="5" name="Content Placeholder 4">
+            <a:extLst>
+              <a:ext uri="{FF2B5EF4-FFF2-40B4-BE49-F238E27FC236}">
+                <a16:creationId xmlns:a16="http://schemas.microsoft.com/office/drawing/2014/main" xmlns="" id="{6ED3EC15-077F-9E48-F65B-C44F57A8B54F}"/>
+              </a:ext>
+            </a:extLst>
+          </p:cNvPr>
+          <p:cNvPicPr>
+            <a:picLocks noGrp="1" noChangeAspect="1"/>
+          </p:cNvPicPr>
+          <p:nvPr>
+            <p:ph idx="1"/>
+          </p:nvPr>
+        </p:nvPicPr>
+        <p:blipFill>
+          <a:blip r:embed="rId2"/>
+          <a:stretch>
+            <a:fillRect/>
+          </a:stretch>
+        </p:blipFill>
+        <p:spPr>
+          <a:xfrm>
+            <a:off x="932688" y="1389888"/>
+            <a:ext cx="10332720" cy="4782312"/>
+          </a:xfrm>
+        </p:spPr>
+      </p:pic>
+    </p:spTree>
+    <p:extLst>
+      <p:ext uri="{BB962C8B-B14F-4D97-AF65-F5344CB8AC3E}">
+        <p14:creationId xmlns:p14="http://schemas.microsoft.com/office/powerpoint/2010/main" val="2830167574"/>
+      </p:ext>
+    </p:extLst>
+  </p:cSld>
+  <p:clrMapOvr>
+    <a:masterClrMapping/>
+  </p:clrMapOvr>
+</p:sld>
+</file>
+
+<file path=ppt/slides/slide7.xml><?xml version="1.0" encoding="utf-8"?>
+<p:sld xmlns:a="http://schemas.openxmlformats.org/drawingml/2006/main" xmlns:r="http://schemas.openxmlformats.org/officeDocument/2006/relationships" xmlns:p="http://schemas.openxmlformats.org/presentationml/2006/main">
+  <p:cSld>
+    <p:spTree>
+      <p:nvGrpSpPr>
+        <p:cNvPr id="1" name=""/>
+        <p:cNvGrpSpPr/>
+        <p:nvPr/>
+      </p:nvGrpSpPr>
+      <p:grpSpPr>
+        <a:xfrm>
+          <a:off x="0" y="0"/>
+          <a:ext cx="0" cy="0"/>
+          <a:chOff x="0" y="0"/>
+          <a:chExt cx="0" cy="0"/>
+        </a:xfrm>
+      </p:grpSpPr>
+      <p:sp>
+        <p:nvSpPr>
+          <p:cNvPr id="2" name="Title 1">
+            <a:extLst>
+              <a:ext uri="{FF2B5EF4-FFF2-40B4-BE49-F238E27FC236}">
+                <a16:creationId xmlns:a16="http://schemas.microsoft.com/office/drawing/2014/main" xmlns="" id="{FB03A1EA-D2F7-4145-9E16-7830F0F70950}"/>
+              </a:ext>
+            </a:extLst>
+          </p:cNvPr>
+          <p:cNvSpPr>
+            <a:spLocks noGrp="1"/>
+          </p:cNvSpPr>
+          <p:nvPr>
+            <p:ph type="title"/>
+          </p:nvPr>
+        </p:nvSpPr>
+        <p:spPr>
+          <a:xfrm>
+            <a:off x="822960" y="265176"/>
+            <a:ext cx="10058400" cy="868680"/>
+          </a:xfrm>
+        </p:spPr>
+        <p:txBody>
+          <a:bodyPr/>
+          <a:lstStyle/>
+          <a:p>
+            <a:r>
+              <a:rPr lang="en-US" dirty="0"/>
+              <a:t>Features correlation</a:t>
+            </a:r>
+          </a:p>
+        </p:txBody>
+      </p:sp>
+      <p:pic>
+        <p:nvPicPr>
+          <p:cNvPr id="5" name="Content Placeholder 4">
+            <a:extLst>
+              <a:ext uri="{FF2B5EF4-FFF2-40B4-BE49-F238E27FC236}">
+                <a16:creationId xmlns:a16="http://schemas.microsoft.com/office/drawing/2014/main" xmlns="" id="{B49746CC-92C1-2E27-E682-900C7657E6D0}"/>
+              </a:ext>
+            </a:extLst>
+          </p:cNvPr>
+          <p:cNvPicPr>
+            <a:picLocks noGrp="1" noChangeAspect="1"/>
+          </p:cNvPicPr>
+          <p:nvPr>
+            <p:ph idx="1"/>
+          </p:nvPr>
+        </p:nvPicPr>
+        <p:blipFill>
+          <a:blip r:embed="rId2"/>
+          <a:stretch>
+            <a:fillRect/>
+          </a:stretch>
+        </p:blipFill>
+        <p:spPr>
+          <a:xfrm>
+            <a:off x="0" y="1133856"/>
+            <a:ext cx="10643616" cy="5504688"/>
+          </a:xfrm>
+        </p:spPr>
+      </p:pic>
+    </p:spTree>
+    <p:extLst>
+      <p:ext uri="{BB962C8B-B14F-4D97-AF65-F5344CB8AC3E}">
+        <p14:creationId xmlns:p14="http://schemas.microsoft.com/office/powerpoint/2010/main" val="2337043490"/>
+      </p:ext>
+    </p:extLst>
+  </p:cSld>
+  <p:clrMapOvr>
+    <a:masterClrMapping/>
+  </p:clrMapOvr>
+</p:sld>
+</file>
+
 <file path=ppt/slides/slide8.xml><?xml version="1.0" encoding="utf-8"?>
 <p:sld xmlns:a="http://schemas.openxmlformats.org/drawingml/2006/main" xmlns:r="http://schemas.openxmlformats.org/officeDocument/2006/relationships" xmlns:p="http://schemas.openxmlformats.org/presentationml/2006/main">
   <p:cSld>
@@ -6212,7 +5849,7 @@
           <p:cNvPr id="2" name="Title 1">
             <a:extLst>
               <a:ext uri="{FF2B5EF4-FFF2-40B4-BE49-F238E27FC236}">
-                <a16:creationId xmlns:a16="http://schemas.microsoft.com/office/drawing/2014/main" id="{BBE1BB21-5507-D7E2-E293-28A8A29F93C5}"/>
+                <a16:creationId xmlns:a16="http://schemas.microsoft.com/office/drawing/2014/main" xmlns="" id="{E1F72729-E111-7A41-CFAC-FF4FE3289E5A}"/>
               </a:ext>
             </a:extLst>
           </p:cNvPr>
@@ -6225,8 +5862,8 @@
         </p:nvSpPr>
         <p:spPr>
           <a:xfrm>
-            <a:off x="832104" y="-118872"/>
-            <a:ext cx="10058400" cy="1609344"/>
+            <a:off x="1063752" y="167917"/>
+            <a:ext cx="10058400" cy="982010"/>
           </a:xfrm>
         </p:spPr>
         <p:txBody>
@@ -6235,15 +5872,7 @@
           <a:p>
             <a:r>
               <a:rPr lang="en-US" dirty="0" smtClean="0"/>
-              <a:t>PROCESSED </a:t>
-            </a:r>
-            <a:r>
-              <a:rPr lang="en-US" dirty="0"/>
-              <a:t>DATA </a:t>
-            </a:r>
-            <a:r>
-              <a:rPr lang="en-US" dirty="0" smtClean="0"/>
-              <a:t>Observations</a:t>
+              <a:t> Observations from Data handling </a:t>
             </a:r>
             <a:endParaRPr lang="en-US" dirty="0"/>
           </a:p>
@@ -6251,85 +5880,80 @@
       </p:sp>
       <p:sp>
         <p:nvSpPr>
-          <p:cNvPr id="4" name="TextBox 3"/>
-          <p:cNvSpPr txBox="1"/>
-          <p:nvPr/>
+          <p:cNvPr id="3" name="Content Placeholder 2">
+            <a:extLst>
+              <a:ext uri="{FF2B5EF4-FFF2-40B4-BE49-F238E27FC236}">
+                <a16:creationId xmlns:a16="http://schemas.microsoft.com/office/drawing/2014/main" xmlns="" id="{A33587A1-A154-8D55-158D-E5C9D33F5A2D}"/>
+              </a:ext>
+            </a:extLst>
+          </p:cNvPr>
+          <p:cNvSpPr>
+            <a:spLocks noGrp="1"/>
+          </p:cNvSpPr>
+          <p:nvPr>
+            <p:ph idx="1"/>
+          </p:nvPr>
         </p:nvSpPr>
         <p:spPr>
           <a:xfrm>
-            <a:off x="832104" y="1351926"/>
-            <a:ext cx="10570188" cy="5847755"/>
+            <a:off x="387927" y="1149927"/>
+            <a:ext cx="11333018" cy="5430982"/>
           </a:xfrm>
-          <a:prstGeom prst="rect">
-            <a:avLst/>
-          </a:prstGeom>
-          <a:noFill/>
         </p:spPr>
         <p:txBody>
-          <a:bodyPr wrap="square" rtlCol="0">
-            <a:spAutoFit/>
+          <a:bodyPr>
+            <a:normAutofit lnSpcReduction="10000"/>
           </a:bodyPr>
           <a:lstStyle/>
           <a:p>
-            <a:r>
-              <a:rPr lang="en-US" sz="3200" dirty="0" smtClean="0"/>
-              <a:t>Univariate Analysis shows that patients </a:t>
-            </a:r>
-            <a:r>
-              <a:rPr lang="en-US" sz="3200" dirty="0"/>
-              <a:t>with diabetes tend to have higher Glucose and BMI levels. Distribution of Age is </a:t>
-            </a:r>
-            <a:r>
-              <a:rPr lang="en-US" sz="3200" dirty="0" smtClean="0"/>
-              <a:t>right-skewed with most patients in their 20s to 40s</a:t>
-            </a:r>
+            <a:pPr algn="just"/>
+            <a:r>
+              <a:rPr lang="en-US" sz="3600" dirty="0"/>
+              <a:t>Univariate analysis reveals diabetic patients have higher Glucose and BMI levels, with Age distribution right-skewed, mostly in the 20s–40s. </a:t>
+            </a:r>
+            <a:endParaRPr lang="en-US" sz="3600" dirty="0" smtClean="0"/>
+          </a:p>
+          <a:p>
+            <a:pPr algn="just"/>
+            <a:r>
+              <a:rPr lang="en-US" sz="3600" dirty="0" smtClean="0"/>
+              <a:t>Bivariate </a:t>
+            </a:r>
+            <a:r>
+              <a:rPr lang="en-US" sz="3600" dirty="0"/>
+              <a:t>analysis shows positive correlations between Glucose, BMI, Age, Pregnancies, and diabetes outcome, with Glucose having the strongest correlation.</a:t>
+            </a:r>
+          </a:p>
+          <a:p>
+            <a:pPr algn="just"/>
+            <a:r>
+              <a:rPr lang="en-US" sz="3600" dirty="0" smtClean="0"/>
+              <a:t>Creating an insulin category which grade the patients in the order of high, medium and low helps us identify low insulin level among the causes of diabetes .</a:t>
+            </a:r>
+          </a:p>
+          <a:p>
+            <a:pPr algn="just"/>
+            <a:endParaRPr lang="en-US" sz="3600" dirty="0" smtClean="0"/>
+          </a:p>
+          <a:p>
+            <a:pPr algn="just"/>
+            <a:endParaRPr lang="en-US" sz="3600" dirty="0"/>
+          </a:p>
+          <a:p>
             <a:endParaRPr lang="en-US" sz="3200" dirty="0"/>
           </a:p>
           <a:p>
-            <a:endParaRPr lang="en-US" sz="3200" dirty="0" smtClean="0"/>
-          </a:p>
-          <a:p>
-            <a:r>
-              <a:rPr lang="en-US" sz="3200" dirty="0" smtClean="0"/>
-              <a:t>Bivariate Analysis highlights the relationships between Glucose</a:t>
-            </a:r>
-            <a:r>
-              <a:rPr lang="en-US" sz="3200" dirty="0"/>
-              <a:t>, BMI, Age, and Pregnancies are positively correlated with diabetes </a:t>
-            </a:r>
-            <a:r>
-              <a:rPr lang="en-US" sz="3200" dirty="0" smtClean="0"/>
-              <a:t>outcome. </a:t>
-            </a:r>
-          </a:p>
-          <a:p>
-            <a:r>
-              <a:rPr lang="en-US" sz="3200" dirty="0" smtClean="0"/>
-              <a:t>Glucose </a:t>
-            </a:r>
-            <a:r>
-              <a:rPr lang="en-US" sz="3200" dirty="0"/>
-              <a:t>shows the strongest correlation.</a:t>
-            </a:r>
-          </a:p>
-          <a:p>
             <a:endParaRPr lang="en-US" sz="3200" dirty="0"/>
           </a:p>
           <a:p>
-            <a:endParaRPr lang="en-US" dirty="0"/>
-          </a:p>
-          <a:p>
-            <a:endParaRPr lang="en-US" dirty="0" smtClean="0"/>
-          </a:p>
-          <a:p>
-            <a:endParaRPr lang="en-US" dirty="0"/>
+            <a:endParaRPr lang="en-US" sz="3200" dirty="0"/>
           </a:p>
         </p:txBody>
       </p:sp>
     </p:spTree>
     <p:extLst>
       <p:ext uri="{BB962C8B-B14F-4D97-AF65-F5344CB8AC3E}">
-        <p14:creationId xmlns:p14="http://schemas.microsoft.com/office/powerpoint/2010/main" val="4156072378"/>
+        <p14:creationId xmlns:p14="http://schemas.microsoft.com/office/powerpoint/2010/main" val="2291259577"/>
       </p:ext>
     </p:extLst>
   </p:cSld>
@@ -6361,7 +5985,7 @@
           <p:cNvPr id="2" name="Title 1">
             <a:extLst>
               <a:ext uri="{FF2B5EF4-FFF2-40B4-BE49-F238E27FC236}">
-                <a16:creationId xmlns:a16="http://schemas.microsoft.com/office/drawing/2014/main" id="{7B86C40E-B8F7-28DB-AFCC-B00D44F9E09B}"/>
+                <a16:creationId xmlns:a16="http://schemas.microsoft.com/office/drawing/2014/main" xmlns="" id="{E1F72729-E111-7A41-CFAC-FF4FE3289E5A}"/>
               </a:ext>
             </a:extLst>
           </p:cNvPr>
@@ -6374,56 +5998,93 @@
         </p:nvSpPr>
         <p:spPr>
           <a:xfrm>
-            <a:off x="926592" y="18288"/>
-            <a:ext cx="10058400" cy="1371600"/>
+            <a:off x="1063752" y="126353"/>
+            <a:ext cx="10058400" cy="982010"/>
           </a:xfrm>
         </p:spPr>
         <p:txBody>
-          <a:bodyPr>
-            <a:normAutofit fontScale="90000"/>
-          </a:bodyPr>
+          <a:bodyPr/>
           <a:lstStyle/>
           <a:p>
             <a:r>
-              <a:rPr lang="en-US" dirty="0"/>
-              <a:t>Insulin classification BASED ON OUTCOME</a:t>
-            </a:r>
-          </a:p>
-        </p:txBody>
-      </p:sp>
-      <p:pic>
-        <p:nvPicPr>
-          <p:cNvPr id="5" name="Content Placeholder 4">
+              <a:rPr lang="en-US" dirty="0" smtClean="0"/>
+              <a:t> Challenges from data set</a:t>
+            </a:r>
+            <a:endParaRPr lang="en-US" dirty="0"/>
+          </a:p>
+        </p:txBody>
+      </p:sp>
+      <p:sp>
+        <p:nvSpPr>
+          <p:cNvPr id="3" name="Content Placeholder 2">
             <a:extLst>
               <a:ext uri="{FF2B5EF4-FFF2-40B4-BE49-F238E27FC236}">
-                <a16:creationId xmlns:a16="http://schemas.microsoft.com/office/drawing/2014/main" id="{6ED3EC15-077F-9E48-F65B-C44F57A8B54F}"/>
+                <a16:creationId xmlns:a16="http://schemas.microsoft.com/office/drawing/2014/main" xmlns="" id="{A33587A1-A154-8D55-158D-E5C9D33F5A2D}"/>
               </a:ext>
             </a:extLst>
           </p:cNvPr>
-          <p:cNvPicPr>
-            <a:picLocks noGrp="1" noChangeAspect="1"/>
-          </p:cNvPicPr>
+          <p:cNvSpPr>
+            <a:spLocks noGrp="1"/>
+          </p:cNvSpPr>
           <p:nvPr>
             <p:ph idx="1"/>
           </p:nvPr>
-        </p:nvPicPr>
-        <p:blipFill>
-          <a:blip r:embed="rId2"/>
-          <a:stretch>
-            <a:fillRect/>
-          </a:stretch>
-        </p:blipFill>
+        </p:nvSpPr>
         <p:spPr>
           <a:xfrm>
-            <a:off x="932688" y="1389888"/>
-            <a:ext cx="10332720" cy="4782312"/>
+            <a:off x="1063752" y="1246908"/>
+            <a:ext cx="10058400" cy="5597237"/>
           </a:xfrm>
         </p:spPr>
-      </p:pic>
+        <p:txBody>
+          <a:bodyPr>
+            <a:normAutofit fontScale="85000" lnSpcReduction="20000"/>
+          </a:bodyPr>
+          <a:lstStyle/>
+          <a:p>
+            <a:r>
+              <a:rPr lang="en-US" sz="4000" dirty="0"/>
+              <a:t>Zero values in key features (Glucose: 5, Blood Pressure: 35, BMI: 11, Insulin: 374) were identified as missing data </a:t>
+            </a:r>
+            <a:r>
+              <a:rPr lang="en-US" sz="4000" dirty="0" smtClean="0"/>
+              <a:t>because they were medically unrealistic. </a:t>
+            </a:r>
+            <a:r>
+              <a:rPr lang="en-US" sz="4000" dirty="0"/>
+              <a:t>These were imputed using the median value of each column to handle outliers robustly.</a:t>
+            </a:r>
+          </a:p>
+          <a:p>
+            <a:endParaRPr lang="en-US" sz="4000" dirty="0" smtClean="0"/>
+          </a:p>
+          <a:p>
+            <a:r>
+              <a:rPr lang="en-US" sz="4000" dirty="0" smtClean="0"/>
+              <a:t>The </a:t>
+            </a:r>
+            <a:r>
+              <a:rPr lang="en-US" sz="4000" dirty="0"/>
+              <a:t>dataset is imbalanced, with 500 non-diabetic (65.1%) and 268 diabetic (34.9%) records. This imbalance risks models over-predicting non-diabetic cases, potentially missing critical diabetic diagnoses. Careful handling </a:t>
+            </a:r>
+            <a:r>
+              <a:rPr lang="en-US" sz="4000" dirty="0" smtClean="0"/>
+              <a:t>was done </a:t>
+            </a:r>
+            <a:r>
+              <a:rPr lang="en-US" sz="4000" dirty="0"/>
+              <a:t>ensure accurate detection of diabetic cases</a:t>
+            </a:r>
+          </a:p>
+          <a:p>
+            <a:endParaRPr lang="en-US" sz="3200" dirty="0"/>
+          </a:p>
+        </p:txBody>
+      </p:sp>
     </p:spTree>
     <p:extLst>
       <p:ext uri="{BB962C8B-B14F-4D97-AF65-F5344CB8AC3E}">
-        <p14:creationId xmlns:p14="http://schemas.microsoft.com/office/powerpoint/2010/main" val="2830167574"/>
+        <p14:creationId xmlns:p14="http://schemas.microsoft.com/office/powerpoint/2010/main" val="2363785594"/>
       </p:ext>
     </p:extLst>
   </p:cSld>
